--- a/La conception de circuit imprimé.pptx
+++ b/La conception de circuit imprimé.pptx
@@ -13,15 +13,16 @@
     <p:sldId id="260" r:id="rId7"/>
     <p:sldId id="261" r:id="rId8"/>
     <p:sldId id="262" r:id="rId9"/>
-    <p:sldId id="263" r:id="rId10"/>
-    <p:sldId id="264" r:id="rId11"/>
-    <p:sldId id="265" r:id="rId12"/>
-    <p:sldId id="266" r:id="rId13"/>
-    <p:sldId id="267" r:id="rId14"/>
-    <p:sldId id="268" r:id="rId15"/>
-    <p:sldId id="269" r:id="rId16"/>
-    <p:sldId id="270" r:id="rId17"/>
-    <p:sldId id="271" r:id="rId18"/>
+    <p:sldId id="273" r:id="rId10"/>
+    <p:sldId id="263" r:id="rId11"/>
+    <p:sldId id="264" r:id="rId12"/>
+    <p:sldId id="265" r:id="rId13"/>
+    <p:sldId id="266" r:id="rId14"/>
+    <p:sldId id="267" r:id="rId15"/>
+    <p:sldId id="268" r:id="rId16"/>
+    <p:sldId id="269" r:id="rId17"/>
+    <p:sldId id="270" r:id="rId18"/>
+    <p:sldId id="271" r:id="rId19"/>
   </p:sldIdLst>
   <p:sldSz cx="12192000" cy="6858000"/>
   <p:notesSz cx="6858000" cy="9144000"/>
@@ -120,6 +121,11 @@
       </a:defRPr>
     </a:lvl9pPr>
   </p:defaultTextStyle>
+  <p:extLst>
+    <p:ext uri="{EFAFB233-063F-42B5-8137-9DF3F51BA10A}">
+      <p15:sldGuideLst xmlns:p15="http://schemas.microsoft.com/office/powerpoint/2012/main"/>
+    </p:ext>
+  </p:extLst>
 </p:presentation>
 </file>
 
@@ -180,7 +186,7 @@
           <a:noFill/>
           <a:extLst>
             <a:ext uri="{909E8E84-426E-40dd-AFC4-6F175D3DCCD1}">
-              <a14:hiddenFill xmlns:a14="http://schemas.microsoft.com/office/drawing/2010/main" xmlns="">
+              <a14:hiddenFill xmlns="" xmlns:a14="http://schemas.microsoft.com/office/drawing/2010/main">
                 <a:solidFill>
                   <a:srgbClr val="FFFFFF"/>
                 </a:solidFill>
@@ -239,7 +245,7 @@
             </a:ln>
             <a:extLst>
               <a:ext uri="{91240B29-F687-4f45-9708-019B960494DF}">
-                <a14:hiddenLine xmlns:a14="http://schemas.microsoft.com/office/drawing/2010/main" xmlns="" w="9525">
+                <a14:hiddenLine xmlns="" xmlns:a14="http://schemas.microsoft.com/office/drawing/2010/main" w="9525">
                   <a:solidFill>
                     <a:srgbClr val="000000"/>
                   </a:solidFill>
@@ -329,7 +335,7 @@
             </a:ln>
             <a:extLst>
               <a:ext uri="{91240B29-F687-4f45-9708-019B960494DF}">
-                <a14:hiddenLine xmlns:a14="http://schemas.microsoft.com/office/drawing/2010/main" xmlns="" w="9525">
+                <a14:hiddenLine xmlns="" xmlns:a14="http://schemas.microsoft.com/office/drawing/2010/main" w="9525">
                   <a:solidFill>
                     <a:srgbClr val="000000"/>
                   </a:solidFill>
@@ -419,7 +425,7 @@
             </a:ln>
             <a:extLst>
               <a:ext uri="{91240B29-F687-4f45-9708-019B960494DF}">
-                <a14:hiddenLine xmlns:a14="http://schemas.microsoft.com/office/drawing/2010/main" xmlns="" w="9525">
+                <a14:hiddenLine xmlns="" xmlns:a14="http://schemas.microsoft.com/office/drawing/2010/main" w="9525">
                   <a:solidFill>
                     <a:srgbClr val="000000"/>
                   </a:solidFill>
@@ -453,7 +459,7 @@
             </a:ln>
             <a:extLst>
               <a:ext uri="{91240B29-F687-4f45-9708-019B960494DF}">
-                <a14:hiddenLine xmlns:a14="http://schemas.microsoft.com/office/drawing/2010/main" xmlns="" w="9525">
+                <a14:hiddenLine xmlns="" xmlns:a14="http://schemas.microsoft.com/office/drawing/2010/main" w="9525">
                   <a:solidFill>
                     <a:srgbClr val="000000"/>
                   </a:solidFill>
@@ -543,7 +549,7 @@
             </a:ln>
             <a:extLst>
               <a:ext uri="{91240B29-F687-4f45-9708-019B960494DF}">
-                <a14:hiddenLine xmlns:a14="http://schemas.microsoft.com/office/drawing/2010/main" xmlns="" w="9525">
+                <a14:hiddenLine xmlns="" xmlns:a14="http://schemas.microsoft.com/office/drawing/2010/main" w="9525">
                   <a:solidFill>
                     <a:srgbClr val="000000"/>
                   </a:solidFill>
@@ -605,7 +611,7 @@
             </a:ln>
             <a:extLst>
               <a:ext uri="{91240B29-F687-4f45-9708-019B960494DF}">
-                <a14:hiddenLine xmlns:a14="http://schemas.microsoft.com/office/drawing/2010/main" xmlns="" w="9525">
+                <a14:hiddenLine xmlns="" xmlns:a14="http://schemas.microsoft.com/office/drawing/2010/main" w="9525">
                   <a:solidFill>
                     <a:srgbClr val="000000"/>
                   </a:solidFill>
@@ -667,7 +673,7 @@
             </a:ln>
             <a:extLst>
               <a:ext uri="{91240B29-F687-4f45-9708-019B960494DF}">
-                <a14:hiddenLine xmlns:a14="http://schemas.microsoft.com/office/drawing/2010/main" xmlns="" w="9525">
+                <a14:hiddenLine xmlns="" xmlns:a14="http://schemas.microsoft.com/office/drawing/2010/main" w="9525">
                   <a:solidFill>
                     <a:srgbClr val="000000"/>
                   </a:solidFill>
@@ -757,7 +763,7 @@
             </a:ln>
             <a:extLst>
               <a:ext uri="{91240B29-F687-4f45-9708-019B960494DF}">
-                <a14:hiddenLine xmlns:a14="http://schemas.microsoft.com/office/drawing/2010/main" xmlns="" w="9525">
+                <a14:hiddenLine xmlns="" xmlns:a14="http://schemas.microsoft.com/office/drawing/2010/main" w="9525">
                   <a:solidFill>
                     <a:srgbClr val="000000"/>
                   </a:solidFill>
@@ -819,7 +825,7 @@
             </a:ln>
             <a:extLst>
               <a:ext uri="{91240B29-F687-4f45-9708-019B960494DF}">
-                <a14:hiddenLine xmlns:a14="http://schemas.microsoft.com/office/drawing/2010/main" xmlns="" w="9525">
+                <a14:hiddenLine xmlns="" xmlns:a14="http://schemas.microsoft.com/office/drawing/2010/main" w="9525">
                   <a:solidFill>
                     <a:srgbClr val="000000"/>
                   </a:solidFill>
@@ -881,7 +887,7 @@
             </a:ln>
             <a:extLst>
               <a:ext uri="{91240B29-F687-4f45-9708-019B960494DF}">
-                <a14:hiddenLine xmlns:a14="http://schemas.microsoft.com/office/drawing/2010/main" xmlns="" w="9525">
+                <a14:hiddenLine xmlns="" xmlns:a14="http://schemas.microsoft.com/office/drawing/2010/main" w="9525">
                   <a:solidFill>
                     <a:srgbClr val="000000"/>
                   </a:solidFill>
@@ -971,7 +977,7 @@
             </a:ln>
             <a:extLst>
               <a:ext uri="{91240B29-F687-4f45-9708-019B960494DF}">
-                <a14:hiddenLine xmlns:a14="http://schemas.microsoft.com/office/drawing/2010/main" xmlns="" w="9525">
+                <a14:hiddenLine xmlns="" xmlns:a14="http://schemas.microsoft.com/office/drawing/2010/main" w="9525">
                   <a:solidFill>
                     <a:srgbClr val="000000"/>
                   </a:solidFill>
@@ -1061,7 +1067,7 @@
             </a:ln>
             <a:extLst>
               <a:ext uri="{91240B29-F687-4f45-9708-019B960494DF}">
-                <a14:hiddenLine xmlns:a14="http://schemas.microsoft.com/office/drawing/2010/main" xmlns="" w="9525">
+                <a14:hiddenLine xmlns="" xmlns:a14="http://schemas.microsoft.com/office/drawing/2010/main" w="9525">
                   <a:solidFill>
                     <a:srgbClr val="000000"/>
                   </a:solidFill>
@@ -1123,7 +1129,7 @@
             </a:ln>
             <a:extLst>
               <a:ext uri="{91240B29-F687-4f45-9708-019B960494DF}">
-                <a14:hiddenLine xmlns:a14="http://schemas.microsoft.com/office/drawing/2010/main" xmlns="" w="9525">
+                <a14:hiddenLine xmlns="" xmlns:a14="http://schemas.microsoft.com/office/drawing/2010/main" w="9525">
                   <a:solidFill>
                     <a:srgbClr val="000000"/>
                   </a:solidFill>
@@ -1233,7 +1239,7 @@
             </a:ln>
             <a:extLst>
               <a:ext uri="{91240B29-F687-4f45-9708-019B960494DF}">
-                <a14:hiddenLine xmlns:a14="http://schemas.microsoft.com/office/drawing/2010/main" xmlns="" w="9525">
+                <a14:hiddenLine xmlns="" xmlns:a14="http://schemas.microsoft.com/office/drawing/2010/main" w="9525">
                   <a:solidFill>
                     <a:srgbClr val="000000"/>
                   </a:solidFill>
@@ -1295,7 +1301,7 @@
             </a:ln>
             <a:extLst>
               <a:ext uri="{91240B29-F687-4f45-9708-019B960494DF}">
-                <a14:hiddenLine xmlns:a14="http://schemas.microsoft.com/office/drawing/2010/main" xmlns="" w="9525">
+                <a14:hiddenLine xmlns="" xmlns:a14="http://schemas.microsoft.com/office/drawing/2010/main" w="9525">
                   <a:solidFill>
                     <a:srgbClr val="000000"/>
                   </a:solidFill>
@@ -1385,7 +1391,7 @@
             </a:ln>
             <a:extLst>
               <a:ext uri="{91240B29-F687-4f45-9708-019B960494DF}">
-                <a14:hiddenLine xmlns:a14="http://schemas.microsoft.com/office/drawing/2010/main" xmlns="" w="9525">
+                <a14:hiddenLine xmlns="" xmlns:a14="http://schemas.microsoft.com/office/drawing/2010/main" w="9525">
                   <a:solidFill>
                     <a:srgbClr val="000000"/>
                   </a:solidFill>
@@ -1475,7 +1481,7 @@
             </a:ln>
             <a:extLst>
               <a:ext uri="{91240B29-F687-4f45-9708-019B960494DF}">
-                <a14:hiddenLine xmlns:a14="http://schemas.microsoft.com/office/drawing/2010/main" xmlns="" w="9525">
+                <a14:hiddenLine xmlns="" xmlns:a14="http://schemas.microsoft.com/office/drawing/2010/main" w="9525">
                   <a:solidFill>
                     <a:srgbClr val="000000"/>
                   </a:solidFill>
@@ -1537,7 +1543,7 @@
             </a:ln>
             <a:extLst>
               <a:ext uri="{91240B29-F687-4f45-9708-019B960494DF}">
-                <a14:hiddenLine xmlns:a14="http://schemas.microsoft.com/office/drawing/2010/main" xmlns="" w="9525">
+                <a14:hiddenLine xmlns="" xmlns:a14="http://schemas.microsoft.com/office/drawing/2010/main" w="9525">
                   <a:solidFill>
                     <a:srgbClr val="000000"/>
                   </a:solidFill>
@@ -1627,7 +1633,7 @@
             </a:ln>
             <a:extLst>
               <a:ext uri="{91240B29-F687-4f45-9708-019B960494DF}">
-                <a14:hiddenLine xmlns:a14="http://schemas.microsoft.com/office/drawing/2010/main" xmlns="" w="9525">
+                <a14:hiddenLine xmlns="" xmlns:a14="http://schemas.microsoft.com/office/drawing/2010/main" w="9525">
                   <a:solidFill>
                     <a:srgbClr val="000000"/>
                   </a:solidFill>
@@ -1717,7 +1723,7 @@
             </a:ln>
             <a:extLst>
               <a:ext uri="{91240B29-F687-4f45-9708-019B960494DF}">
-                <a14:hiddenLine xmlns:a14="http://schemas.microsoft.com/office/drawing/2010/main" xmlns="" w="9525">
+                <a14:hiddenLine xmlns="" xmlns:a14="http://schemas.microsoft.com/office/drawing/2010/main" w="9525">
                   <a:solidFill>
                     <a:srgbClr val="000000"/>
                   </a:solidFill>
@@ -1773,7 +1779,7 @@
             </a:ln>
             <a:extLst>
               <a:ext uri="{91240B29-F687-4f45-9708-019B960494DF}">
-                <a14:hiddenLine xmlns:a14="http://schemas.microsoft.com/office/drawing/2010/main" xmlns="" w="9525">
+                <a14:hiddenLine xmlns="" xmlns:a14="http://schemas.microsoft.com/office/drawing/2010/main" w="9525">
                   <a:solidFill>
                     <a:srgbClr val="000000"/>
                   </a:solidFill>
@@ -1863,7 +1869,7 @@
             </a:ln>
             <a:extLst>
               <a:ext uri="{91240B29-F687-4f45-9708-019B960494DF}">
-                <a14:hiddenLine xmlns:a14="http://schemas.microsoft.com/office/drawing/2010/main" xmlns="" w="9525">
+                <a14:hiddenLine xmlns="" xmlns:a14="http://schemas.microsoft.com/office/drawing/2010/main" w="9525">
                   <a:solidFill>
                     <a:srgbClr val="000000"/>
                   </a:solidFill>
@@ -1919,7 +1925,7 @@
             </a:ln>
             <a:extLst>
               <a:ext uri="{91240B29-F687-4f45-9708-019B960494DF}">
-                <a14:hiddenLine xmlns:a14="http://schemas.microsoft.com/office/drawing/2010/main" xmlns="" w="9525">
+                <a14:hiddenLine xmlns="" xmlns:a14="http://schemas.microsoft.com/office/drawing/2010/main" w="9525">
                   <a:solidFill>
                     <a:srgbClr val="000000"/>
                   </a:solidFill>
@@ -2009,7 +2015,7 @@
             </a:ln>
             <a:extLst>
               <a:ext uri="{91240B29-F687-4f45-9708-019B960494DF}">
-                <a14:hiddenLine xmlns:a14="http://schemas.microsoft.com/office/drawing/2010/main" xmlns="" w="9525">
+                <a14:hiddenLine xmlns="" xmlns:a14="http://schemas.microsoft.com/office/drawing/2010/main" w="9525">
                   <a:solidFill>
                     <a:srgbClr val="000000"/>
                   </a:solidFill>
@@ -2077,7 +2083,7 @@
             </a:ln>
             <a:extLst>
               <a:ext uri="{91240B29-F687-4f45-9708-019B960494DF}">
-                <a14:hiddenLine xmlns:a14="http://schemas.microsoft.com/office/drawing/2010/main" xmlns="" w="9525">
+                <a14:hiddenLine xmlns="" xmlns:a14="http://schemas.microsoft.com/office/drawing/2010/main" w="9525">
                   <a:solidFill>
                     <a:srgbClr val="000000"/>
                   </a:solidFill>
@@ -2167,7 +2173,7 @@
             </a:ln>
             <a:extLst>
               <a:ext uri="{91240B29-F687-4f45-9708-019B960494DF}">
-                <a14:hiddenLine xmlns:a14="http://schemas.microsoft.com/office/drawing/2010/main" xmlns="" w="9525">
+                <a14:hiddenLine xmlns="" xmlns:a14="http://schemas.microsoft.com/office/drawing/2010/main" w="9525">
                   <a:solidFill>
                     <a:srgbClr val="000000"/>
                   </a:solidFill>
@@ -2235,7 +2241,7 @@
             </a:ln>
             <a:extLst>
               <a:ext uri="{91240B29-F687-4f45-9708-019B960494DF}">
-                <a14:hiddenLine xmlns:a14="http://schemas.microsoft.com/office/drawing/2010/main" xmlns="" w="9525">
+                <a14:hiddenLine xmlns="" xmlns:a14="http://schemas.microsoft.com/office/drawing/2010/main" w="9525">
                   <a:solidFill>
                     <a:srgbClr val="000000"/>
                   </a:solidFill>
@@ -2325,7 +2331,7 @@
             </a:ln>
             <a:extLst>
               <a:ext uri="{91240B29-F687-4f45-9708-019B960494DF}">
-                <a14:hiddenLine xmlns:a14="http://schemas.microsoft.com/office/drawing/2010/main" xmlns="" w="9525">
+                <a14:hiddenLine xmlns="" xmlns:a14="http://schemas.microsoft.com/office/drawing/2010/main" w="9525">
                   <a:solidFill>
                     <a:srgbClr val="000000"/>
                   </a:solidFill>
@@ -2359,7 +2365,7 @@
             </a:ln>
             <a:extLst>
               <a:ext uri="{91240B29-F687-4f45-9708-019B960494DF}">
-                <a14:hiddenLine xmlns:a14="http://schemas.microsoft.com/office/drawing/2010/main" xmlns="" w="9525">
+                <a14:hiddenLine xmlns="" xmlns:a14="http://schemas.microsoft.com/office/drawing/2010/main" w="9525">
                   <a:solidFill>
                     <a:srgbClr val="000000"/>
                   </a:solidFill>
@@ -2449,7 +2455,7 @@
             </a:ln>
             <a:extLst>
               <a:ext uri="{91240B29-F687-4f45-9708-019B960494DF}">
-                <a14:hiddenLine xmlns:a14="http://schemas.microsoft.com/office/drawing/2010/main" xmlns="" w="9525">
+                <a14:hiddenLine xmlns="" xmlns:a14="http://schemas.microsoft.com/office/drawing/2010/main" w="9525">
                   <a:solidFill>
                     <a:srgbClr val="000000"/>
                   </a:solidFill>
@@ -2511,7 +2517,7 @@
             </a:ln>
             <a:extLst>
               <a:ext uri="{91240B29-F687-4f45-9708-019B960494DF}">
-                <a14:hiddenLine xmlns:a14="http://schemas.microsoft.com/office/drawing/2010/main" xmlns="" w="9525">
+                <a14:hiddenLine xmlns="" xmlns:a14="http://schemas.microsoft.com/office/drawing/2010/main" w="9525">
                   <a:solidFill>
                     <a:srgbClr val="000000"/>
                   </a:solidFill>
@@ -2573,7 +2579,7 @@
             </a:ln>
             <a:extLst>
               <a:ext uri="{91240B29-F687-4f45-9708-019B960494DF}">
-                <a14:hiddenLine xmlns:a14="http://schemas.microsoft.com/office/drawing/2010/main" xmlns="" w="9525">
+                <a14:hiddenLine xmlns="" xmlns:a14="http://schemas.microsoft.com/office/drawing/2010/main" w="9525">
                   <a:solidFill>
                     <a:srgbClr val="000000"/>
                   </a:solidFill>
@@ -2663,7 +2669,7 @@
             </a:ln>
             <a:extLst>
               <a:ext uri="{91240B29-F687-4f45-9708-019B960494DF}">
-                <a14:hiddenLine xmlns:a14="http://schemas.microsoft.com/office/drawing/2010/main" xmlns="" w="9525">
+                <a14:hiddenLine xmlns="" xmlns:a14="http://schemas.microsoft.com/office/drawing/2010/main" w="9525">
                   <a:solidFill>
                     <a:srgbClr val="000000"/>
                   </a:solidFill>
@@ -2731,7 +2737,7 @@
             </a:ln>
             <a:extLst>
               <a:ext uri="{91240B29-F687-4f45-9708-019B960494DF}">
-                <a14:hiddenLine xmlns:a14="http://schemas.microsoft.com/office/drawing/2010/main" xmlns="" w="9525">
+                <a14:hiddenLine xmlns="" xmlns:a14="http://schemas.microsoft.com/office/drawing/2010/main" w="9525">
                   <a:solidFill>
                     <a:srgbClr val="000000"/>
                   </a:solidFill>
@@ -2793,7 +2799,7 @@
             </a:ln>
             <a:extLst>
               <a:ext uri="{91240B29-F687-4f45-9708-019B960494DF}">
-                <a14:hiddenLine xmlns:a14="http://schemas.microsoft.com/office/drawing/2010/main" xmlns="" w="9525">
+                <a14:hiddenLine xmlns="" xmlns:a14="http://schemas.microsoft.com/office/drawing/2010/main" w="9525">
                   <a:solidFill>
                     <a:srgbClr val="000000"/>
                   </a:solidFill>
@@ -2883,7 +2889,7 @@
             </a:ln>
             <a:extLst>
               <a:ext uri="{91240B29-F687-4f45-9708-019B960494DF}">
-                <a14:hiddenLine xmlns:a14="http://schemas.microsoft.com/office/drawing/2010/main" xmlns="" w="9525">
+                <a14:hiddenLine xmlns="" xmlns:a14="http://schemas.microsoft.com/office/drawing/2010/main" w="9525">
                   <a:solidFill>
                     <a:srgbClr val="000000"/>
                   </a:solidFill>
@@ -2945,7 +2951,7 @@
             </a:ln>
             <a:extLst>
               <a:ext uri="{91240B29-F687-4f45-9708-019B960494DF}">
-                <a14:hiddenLine xmlns:a14="http://schemas.microsoft.com/office/drawing/2010/main" xmlns="" w="9525">
+                <a14:hiddenLine xmlns="" xmlns:a14="http://schemas.microsoft.com/office/drawing/2010/main" w="9525">
                   <a:solidFill>
                     <a:srgbClr val="000000"/>
                   </a:solidFill>
@@ -3035,7 +3041,7 @@
             </a:ln>
             <a:extLst>
               <a:ext uri="{91240B29-F687-4f45-9708-019B960494DF}">
-                <a14:hiddenLine xmlns:a14="http://schemas.microsoft.com/office/drawing/2010/main" xmlns="" w="9525">
+                <a14:hiddenLine xmlns="" xmlns:a14="http://schemas.microsoft.com/office/drawing/2010/main" w="9525">
                   <a:solidFill>
                     <a:srgbClr val="000000"/>
                   </a:solidFill>
@@ -3097,7 +3103,7 @@
             </a:ln>
             <a:extLst>
               <a:ext uri="{91240B29-F687-4f45-9708-019B960494DF}">
-                <a14:hiddenLine xmlns:a14="http://schemas.microsoft.com/office/drawing/2010/main" xmlns="" w="9525">
+                <a14:hiddenLine xmlns="" xmlns:a14="http://schemas.microsoft.com/office/drawing/2010/main" w="9525">
                   <a:solidFill>
                     <a:srgbClr val="000000"/>
                   </a:solidFill>
@@ -3187,7 +3193,7 @@
             </a:ln>
             <a:extLst>
               <a:ext uri="{91240B29-F687-4f45-9708-019B960494DF}">
-                <a14:hiddenLine xmlns:a14="http://schemas.microsoft.com/office/drawing/2010/main" xmlns="" w="9525">
+                <a14:hiddenLine xmlns="" xmlns:a14="http://schemas.microsoft.com/office/drawing/2010/main" w="9525">
                   <a:solidFill>
                     <a:srgbClr val="000000"/>
                   </a:solidFill>
@@ -3221,7 +3227,7 @@
             </a:ln>
             <a:extLst>
               <a:ext uri="{91240B29-F687-4f45-9708-019B960494DF}">
-                <a14:hiddenLine xmlns:a14="http://schemas.microsoft.com/office/drawing/2010/main" xmlns="" w="9525">
+                <a14:hiddenLine xmlns="" xmlns:a14="http://schemas.microsoft.com/office/drawing/2010/main" w="9525">
                   <a:solidFill>
                     <a:srgbClr val="000000"/>
                   </a:solidFill>
@@ -3286,7 +3292,7 @@
             </a:ln>
             <a:extLst>
               <a:ext uri="{91240B29-F687-4f45-9708-019B960494DF}">
-                <a14:hiddenLine xmlns:a14="http://schemas.microsoft.com/office/drawing/2010/main" xmlns="" w="9525">
+                <a14:hiddenLine xmlns="" xmlns:a14="http://schemas.microsoft.com/office/drawing/2010/main" w="9525">
                   <a:solidFill>
                     <a:srgbClr val="000000"/>
                   </a:solidFill>
@@ -3376,7 +3382,7 @@
             </a:ln>
             <a:extLst>
               <a:ext uri="{91240B29-F687-4f45-9708-019B960494DF}">
-                <a14:hiddenLine xmlns:a14="http://schemas.microsoft.com/office/drawing/2010/main" xmlns="" w="9525">
+                <a14:hiddenLine xmlns="" xmlns:a14="http://schemas.microsoft.com/office/drawing/2010/main" w="9525">
                   <a:solidFill>
                     <a:srgbClr val="000000"/>
                   </a:solidFill>
@@ -3438,7 +3444,7 @@
             </a:ln>
             <a:extLst>
               <a:ext uri="{91240B29-F687-4f45-9708-019B960494DF}">
-                <a14:hiddenLine xmlns:a14="http://schemas.microsoft.com/office/drawing/2010/main" xmlns="" w="9525">
+                <a14:hiddenLine xmlns="" xmlns:a14="http://schemas.microsoft.com/office/drawing/2010/main" w="9525">
                   <a:solidFill>
                     <a:srgbClr val="000000"/>
                   </a:solidFill>
@@ -3528,7 +3534,7 @@
             </a:ln>
             <a:extLst>
               <a:ext uri="{91240B29-F687-4f45-9708-019B960494DF}">
-                <a14:hiddenLine xmlns:a14="http://schemas.microsoft.com/office/drawing/2010/main" xmlns="" w="9525">
+                <a14:hiddenLine xmlns="" xmlns:a14="http://schemas.microsoft.com/office/drawing/2010/main" w="9525">
                   <a:solidFill>
                     <a:srgbClr val="000000"/>
                   </a:solidFill>
@@ -3618,7 +3624,7 @@
             </a:ln>
             <a:extLst>
               <a:ext uri="{91240B29-F687-4f45-9708-019B960494DF}">
-                <a14:hiddenLine xmlns:a14="http://schemas.microsoft.com/office/drawing/2010/main" xmlns="" w="9525">
+                <a14:hiddenLine xmlns="" xmlns:a14="http://schemas.microsoft.com/office/drawing/2010/main" w="9525">
                   <a:solidFill>
                     <a:srgbClr val="000000"/>
                   </a:solidFill>
@@ -3683,7 +3689,7 @@
             </a:ln>
             <a:extLst>
               <a:ext uri="{91240B29-F687-4f45-9708-019B960494DF}">
-                <a14:hiddenLine xmlns:a14="http://schemas.microsoft.com/office/drawing/2010/main" xmlns="" w="9525">
+                <a14:hiddenLine xmlns="" xmlns:a14="http://schemas.microsoft.com/office/drawing/2010/main" w="9525">
                   <a:solidFill>
                     <a:srgbClr val="000000"/>
                   </a:solidFill>
@@ -3745,7 +3751,7 @@
             </a:ln>
             <a:extLst>
               <a:ext uri="{91240B29-F687-4f45-9708-019B960494DF}">
-                <a14:hiddenLine xmlns:a14="http://schemas.microsoft.com/office/drawing/2010/main" xmlns="" w="9525">
+                <a14:hiddenLine xmlns="" xmlns:a14="http://schemas.microsoft.com/office/drawing/2010/main" w="9525">
                   <a:solidFill>
                     <a:srgbClr val="000000"/>
                   </a:solidFill>
@@ -3835,7 +3841,7 @@
             </a:ln>
             <a:extLst>
               <a:ext uri="{91240B29-F687-4f45-9708-019B960494DF}">
-                <a14:hiddenLine xmlns:a14="http://schemas.microsoft.com/office/drawing/2010/main" xmlns="" w="9525">
+                <a14:hiddenLine xmlns="" xmlns:a14="http://schemas.microsoft.com/office/drawing/2010/main" w="9525">
                   <a:solidFill>
                     <a:srgbClr val="000000"/>
                   </a:solidFill>
@@ -3925,7 +3931,7 @@
             </a:ln>
             <a:extLst>
               <a:ext uri="{91240B29-F687-4f45-9708-019B960494DF}">
-                <a14:hiddenLine xmlns:a14="http://schemas.microsoft.com/office/drawing/2010/main" xmlns="" w="9525">
+                <a14:hiddenLine xmlns="" xmlns:a14="http://schemas.microsoft.com/office/drawing/2010/main" w="9525">
                   <a:solidFill>
                     <a:srgbClr val="000000"/>
                   </a:solidFill>
@@ -3987,7 +3993,7 @@
             </a:ln>
             <a:extLst>
               <a:ext uri="{91240B29-F687-4f45-9708-019B960494DF}">
-                <a14:hiddenLine xmlns:a14="http://schemas.microsoft.com/office/drawing/2010/main" xmlns="" w="9525">
+                <a14:hiddenLine xmlns="" xmlns:a14="http://schemas.microsoft.com/office/drawing/2010/main" w="9525">
                   <a:solidFill>
                     <a:srgbClr val="000000"/>
                   </a:solidFill>
@@ -4107,7 +4113,7 @@
             </a:ln>
             <a:extLst>
               <a:ext uri="{91240B29-F687-4f45-9708-019B960494DF}">
-                <a14:hiddenLine xmlns:a14="http://schemas.microsoft.com/office/drawing/2010/main" xmlns="" w="9525">
+                <a14:hiddenLine xmlns="" xmlns:a14="http://schemas.microsoft.com/office/drawing/2010/main" w="9525">
                   <a:solidFill>
                     <a:srgbClr val="000000"/>
                   </a:solidFill>
@@ -4175,7 +4181,7 @@
             </a:ln>
             <a:extLst>
               <a:ext uri="{91240B29-F687-4f45-9708-019B960494DF}">
-                <a14:hiddenLine xmlns:a14="http://schemas.microsoft.com/office/drawing/2010/main" xmlns="" w="9525">
+                <a14:hiddenLine xmlns="" xmlns:a14="http://schemas.microsoft.com/office/drawing/2010/main" w="9525">
                   <a:solidFill>
                     <a:srgbClr val="000000"/>
                   </a:solidFill>
@@ -4265,7 +4271,7 @@
             </a:ln>
             <a:extLst>
               <a:ext uri="{91240B29-F687-4f45-9708-019B960494DF}">
-                <a14:hiddenLine xmlns:a14="http://schemas.microsoft.com/office/drawing/2010/main" xmlns="" w="9525">
+                <a14:hiddenLine xmlns="" xmlns:a14="http://schemas.microsoft.com/office/drawing/2010/main" w="9525">
                   <a:solidFill>
                     <a:srgbClr val="000000"/>
                   </a:solidFill>
@@ -8994,7 +9000,7 @@
           <a:noFill/>
           <a:extLst>
             <a:ext uri="{909E8E84-426E-40dd-AFC4-6F175D3DCCD1}">
-              <a14:hiddenFill xmlns:a14="http://schemas.microsoft.com/office/drawing/2010/main" xmlns="">
+              <a14:hiddenFill xmlns="" xmlns:a14="http://schemas.microsoft.com/office/drawing/2010/main">
                 <a:solidFill>
                   <a:srgbClr val="FFFFFF"/>
                 </a:solidFill>
@@ -9068,7 +9074,7 @@
               </a:ln>
               <a:extLst>
                 <a:ext uri="{91240B29-F687-4f45-9708-019B960494DF}">
-                  <a14:hiddenLine xmlns:a14="http://schemas.microsoft.com/office/drawing/2010/main" xmlns="" w="9525">
+                  <a14:hiddenLine xmlns="" xmlns:a14="http://schemas.microsoft.com/office/drawing/2010/main" w="9525">
                     <a:solidFill>
                       <a:srgbClr val="000000"/>
                     </a:solidFill>
@@ -9158,7 +9164,7 @@
               </a:ln>
               <a:extLst>
                 <a:ext uri="{91240B29-F687-4f45-9708-019B960494DF}">
-                  <a14:hiddenLine xmlns:a14="http://schemas.microsoft.com/office/drawing/2010/main" xmlns="" w="9525">
+                  <a14:hiddenLine xmlns="" xmlns:a14="http://schemas.microsoft.com/office/drawing/2010/main" w="9525">
                     <a:solidFill>
                       <a:srgbClr val="000000"/>
                     </a:solidFill>
@@ -9248,7 +9254,7 @@
               </a:ln>
               <a:extLst>
                 <a:ext uri="{91240B29-F687-4f45-9708-019B960494DF}">
-                  <a14:hiddenLine xmlns:a14="http://schemas.microsoft.com/office/drawing/2010/main" xmlns="" w="9525">
+                  <a14:hiddenLine xmlns="" xmlns:a14="http://schemas.microsoft.com/office/drawing/2010/main" w="9525">
                     <a:solidFill>
                       <a:srgbClr val="000000"/>
                     </a:solidFill>
@@ -9310,7 +9316,7 @@
               </a:ln>
               <a:extLst>
                 <a:ext uri="{91240B29-F687-4f45-9708-019B960494DF}">
-                  <a14:hiddenLine xmlns:a14="http://schemas.microsoft.com/office/drawing/2010/main" xmlns="" w="9525">
+                  <a14:hiddenLine xmlns="" xmlns:a14="http://schemas.microsoft.com/office/drawing/2010/main" w="9525">
                     <a:solidFill>
                       <a:srgbClr val="000000"/>
                     </a:solidFill>
@@ -9400,7 +9406,7 @@
               </a:ln>
               <a:extLst>
                 <a:ext uri="{91240B29-F687-4f45-9708-019B960494DF}">
-                  <a14:hiddenLine xmlns:a14="http://schemas.microsoft.com/office/drawing/2010/main" xmlns="" w="9525">
+                  <a14:hiddenLine xmlns="" xmlns:a14="http://schemas.microsoft.com/office/drawing/2010/main" w="9525">
                     <a:solidFill>
                       <a:srgbClr val="000000"/>
                     </a:solidFill>
@@ -9462,7 +9468,7 @@
               </a:ln>
               <a:extLst>
                 <a:ext uri="{91240B29-F687-4f45-9708-019B960494DF}">
-                  <a14:hiddenLine xmlns:a14="http://schemas.microsoft.com/office/drawing/2010/main" xmlns="" w="9525">
+                  <a14:hiddenLine xmlns="" xmlns:a14="http://schemas.microsoft.com/office/drawing/2010/main" w="9525">
                     <a:solidFill>
                       <a:srgbClr val="000000"/>
                     </a:solidFill>
@@ -9524,7 +9530,7 @@
               </a:ln>
               <a:extLst>
                 <a:ext uri="{91240B29-F687-4f45-9708-019B960494DF}">
-                  <a14:hiddenLine xmlns:a14="http://schemas.microsoft.com/office/drawing/2010/main" xmlns="" w="9525">
+                  <a14:hiddenLine xmlns="" xmlns:a14="http://schemas.microsoft.com/office/drawing/2010/main" w="9525">
                     <a:solidFill>
                       <a:srgbClr val="000000"/>
                     </a:solidFill>
@@ -9614,7 +9620,7 @@
               </a:ln>
               <a:extLst>
                 <a:ext uri="{91240B29-F687-4f45-9708-019B960494DF}">
-                  <a14:hiddenLine xmlns:a14="http://schemas.microsoft.com/office/drawing/2010/main" xmlns="" w="9525">
+                  <a14:hiddenLine xmlns="" xmlns:a14="http://schemas.microsoft.com/office/drawing/2010/main" w="9525">
                     <a:solidFill>
                       <a:srgbClr val="000000"/>
                     </a:solidFill>
@@ -9704,7 +9710,7 @@
               </a:ln>
               <a:extLst>
                 <a:ext uri="{91240B29-F687-4f45-9708-019B960494DF}">
-                  <a14:hiddenLine xmlns:a14="http://schemas.microsoft.com/office/drawing/2010/main" xmlns="" w="9525">
+                  <a14:hiddenLine xmlns="" xmlns:a14="http://schemas.microsoft.com/office/drawing/2010/main" w="9525">
                     <a:solidFill>
                       <a:srgbClr val="000000"/>
                     </a:solidFill>
@@ -9766,7 +9772,7 @@
               </a:ln>
               <a:extLst>
                 <a:ext uri="{91240B29-F687-4f45-9708-019B960494DF}">
-                  <a14:hiddenLine xmlns:a14="http://schemas.microsoft.com/office/drawing/2010/main" xmlns="" w="9525">
+                  <a14:hiddenLine xmlns="" xmlns:a14="http://schemas.microsoft.com/office/drawing/2010/main" w="9525">
                     <a:solidFill>
                       <a:srgbClr val="000000"/>
                     </a:solidFill>
@@ -9876,7 +9882,7 @@
               </a:ln>
               <a:extLst>
                 <a:ext uri="{91240B29-F687-4f45-9708-019B960494DF}">
-                  <a14:hiddenLine xmlns:a14="http://schemas.microsoft.com/office/drawing/2010/main" xmlns="" w="9525">
+                  <a14:hiddenLine xmlns="" xmlns:a14="http://schemas.microsoft.com/office/drawing/2010/main" w="9525">
                     <a:solidFill>
                       <a:srgbClr val="000000"/>
                     </a:solidFill>
@@ -9960,7 +9966,7 @@
               </a:ln>
               <a:extLst>
                 <a:ext uri="{91240B29-F687-4f45-9708-019B960494DF}">
-                  <a14:hiddenLine xmlns:a14="http://schemas.microsoft.com/office/drawing/2010/main" xmlns="" w="9525">
+                  <a14:hiddenLine xmlns="" xmlns:a14="http://schemas.microsoft.com/office/drawing/2010/main" w="9525">
                     <a:solidFill>
                       <a:srgbClr val="000000"/>
                     </a:solidFill>
@@ -10022,7 +10028,7 @@
               </a:ln>
               <a:extLst>
                 <a:ext uri="{91240B29-F687-4f45-9708-019B960494DF}">
-                  <a14:hiddenLine xmlns:a14="http://schemas.microsoft.com/office/drawing/2010/main" xmlns="" w="9525">
+                  <a14:hiddenLine xmlns="" xmlns:a14="http://schemas.microsoft.com/office/drawing/2010/main" w="9525">
                     <a:solidFill>
                       <a:srgbClr val="000000"/>
                     </a:solidFill>
@@ -10084,7 +10090,7 @@
               </a:ln>
               <a:extLst>
                 <a:ext uri="{91240B29-F687-4f45-9708-019B960494DF}">
-                  <a14:hiddenLine xmlns:a14="http://schemas.microsoft.com/office/drawing/2010/main" xmlns="" w="9525">
+                  <a14:hiddenLine xmlns="" xmlns:a14="http://schemas.microsoft.com/office/drawing/2010/main" w="9525">
                     <a:solidFill>
                       <a:srgbClr val="000000"/>
                     </a:solidFill>
@@ -10174,7 +10180,7 @@
               </a:ln>
               <a:extLst>
                 <a:ext uri="{91240B29-F687-4f45-9708-019B960494DF}">
-                  <a14:hiddenLine xmlns:a14="http://schemas.microsoft.com/office/drawing/2010/main" xmlns="" w="9525">
+                  <a14:hiddenLine xmlns="" xmlns:a14="http://schemas.microsoft.com/office/drawing/2010/main" w="9525">
                     <a:solidFill>
                       <a:srgbClr val="000000"/>
                     </a:solidFill>
@@ -10208,7 +10214,7 @@
               </a:ln>
               <a:extLst>
                 <a:ext uri="{91240B29-F687-4f45-9708-019B960494DF}">
-                  <a14:hiddenLine xmlns:a14="http://schemas.microsoft.com/office/drawing/2010/main" xmlns="" w="9525">
+                  <a14:hiddenLine xmlns="" xmlns:a14="http://schemas.microsoft.com/office/drawing/2010/main" w="9525">
                     <a:solidFill>
                       <a:srgbClr val="000000"/>
                     </a:solidFill>
@@ -10273,7 +10279,7 @@
               </a:ln>
               <a:extLst>
                 <a:ext uri="{91240B29-F687-4f45-9708-019B960494DF}">
-                  <a14:hiddenLine xmlns:a14="http://schemas.microsoft.com/office/drawing/2010/main" xmlns="" w="9525">
+                  <a14:hiddenLine xmlns="" xmlns:a14="http://schemas.microsoft.com/office/drawing/2010/main" w="9525">
                     <a:solidFill>
                       <a:srgbClr val="000000"/>
                     </a:solidFill>
@@ -10363,7 +10369,7 @@
               </a:ln>
               <a:extLst>
                 <a:ext uri="{91240B29-F687-4f45-9708-019B960494DF}">
-                  <a14:hiddenLine xmlns:a14="http://schemas.microsoft.com/office/drawing/2010/main" xmlns="" w="9525">
+                  <a14:hiddenLine xmlns="" xmlns:a14="http://schemas.microsoft.com/office/drawing/2010/main" w="9525">
                     <a:solidFill>
                       <a:srgbClr val="000000"/>
                     </a:solidFill>
@@ -10425,7 +10431,7 @@
               </a:ln>
               <a:extLst>
                 <a:ext uri="{91240B29-F687-4f45-9708-019B960494DF}">
-                  <a14:hiddenLine xmlns:a14="http://schemas.microsoft.com/office/drawing/2010/main" xmlns="" w="9525">
+                  <a14:hiddenLine xmlns="" xmlns:a14="http://schemas.microsoft.com/office/drawing/2010/main" w="9525">
                     <a:solidFill>
                       <a:srgbClr val="000000"/>
                     </a:solidFill>
@@ -10515,7 +10521,7 @@
               </a:ln>
               <a:extLst>
                 <a:ext uri="{91240B29-F687-4f45-9708-019B960494DF}">
-                  <a14:hiddenLine xmlns:a14="http://schemas.microsoft.com/office/drawing/2010/main" xmlns="" w="9525">
+                  <a14:hiddenLine xmlns="" xmlns:a14="http://schemas.microsoft.com/office/drawing/2010/main" w="9525">
                     <a:solidFill>
                       <a:srgbClr val="000000"/>
                     </a:solidFill>
@@ -10580,7 +10586,7 @@
               </a:ln>
               <a:extLst>
                 <a:ext uri="{91240B29-F687-4f45-9708-019B960494DF}">
-                  <a14:hiddenLine xmlns:a14="http://schemas.microsoft.com/office/drawing/2010/main" xmlns="" w="9525">
+                  <a14:hiddenLine xmlns="" xmlns:a14="http://schemas.microsoft.com/office/drawing/2010/main" w="9525">
                     <a:solidFill>
                       <a:srgbClr val="000000"/>
                     </a:solidFill>
@@ -10642,7 +10648,7 @@
               </a:ln>
               <a:extLst>
                 <a:ext uri="{91240B29-F687-4f45-9708-019B960494DF}">
-                  <a14:hiddenLine xmlns:a14="http://schemas.microsoft.com/office/drawing/2010/main" xmlns="" w="9525">
+                  <a14:hiddenLine xmlns="" xmlns:a14="http://schemas.microsoft.com/office/drawing/2010/main" w="9525">
                     <a:solidFill>
                       <a:srgbClr val="000000"/>
                     </a:solidFill>
@@ -10732,7 +10738,7 @@
               </a:ln>
               <a:extLst>
                 <a:ext uri="{91240B29-F687-4f45-9708-019B960494DF}">
-                  <a14:hiddenLine xmlns:a14="http://schemas.microsoft.com/office/drawing/2010/main" xmlns="" w="9525">
+                  <a14:hiddenLine xmlns="" xmlns:a14="http://schemas.microsoft.com/office/drawing/2010/main" w="9525">
                     <a:solidFill>
                       <a:srgbClr val="000000"/>
                     </a:solidFill>
@@ -10822,7 +10828,7 @@
               </a:ln>
               <a:extLst>
                 <a:ext uri="{91240B29-F687-4f45-9708-019B960494DF}">
-                  <a14:hiddenLine xmlns:a14="http://schemas.microsoft.com/office/drawing/2010/main" xmlns="" w="9525">
+                  <a14:hiddenLine xmlns="" xmlns:a14="http://schemas.microsoft.com/office/drawing/2010/main" w="9525">
                     <a:solidFill>
                       <a:srgbClr val="000000"/>
                     </a:solidFill>
@@ -10887,7 +10893,7 @@
               </a:ln>
               <a:extLst>
                 <a:ext uri="{91240B29-F687-4f45-9708-019B960494DF}">
-                  <a14:hiddenLine xmlns:a14="http://schemas.microsoft.com/office/drawing/2010/main" xmlns="" w="9525">
+                  <a14:hiddenLine xmlns="" xmlns:a14="http://schemas.microsoft.com/office/drawing/2010/main" w="9525">
                     <a:solidFill>
                       <a:srgbClr val="000000"/>
                     </a:solidFill>
@@ -11007,7 +11013,7 @@
               </a:ln>
               <a:extLst>
                 <a:ext uri="{91240B29-F687-4f45-9708-019B960494DF}">
-                  <a14:hiddenLine xmlns:a14="http://schemas.microsoft.com/office/drawing/2010/main" xmlns="" w="9525">
+                  <a14:hiddenLine xmlns="" xmlns:a14="http://schemas.microsoft.com/office/drawing/2010/main" w="9525">
                     <a:solidFill>
                       <a:srgbClr val="000000"/>
                     </a:solidFill>
@@ -11088,7 +11094,7 @@
               </a:ln>
               <a:extLst>
                 <a:ext uri="{91240B29-F687-4f45-9708-019B960494DF}">
-                  <a14:hiddenLine xmlns:a14="http://schemas.microsoft.com/office/drawing/2010/main" xmlns="" w="9525">
+                  <a14:hiddenLine xmlns="" xmlns:a14="http://schemas.microsoft.com/office/drawing/2010/main" w="9525">
                     <a:solidFill>
                       <a:srgbClr val="000000"/>
                     </a:solidFill>
@@ -11203,7 +11209,7 @@
               </a:ln>
               <a:extLst>
                 <a:ext uri="{91240B29-F687-4f45-9708-019B960494DF}">
-                  <a14:hiddenLine xmlns:a14="http://schemas.microsoft.com/office/drawing/2010/main" xmlns="" w="9525">
+                  <a14:hiddenLine xmlns="" xmlns:a14="http://schemas.microsoft.com/office/drawing/2010/main" w="9525">
                     <a:solidFill>
                       <a:srgbClr val="000000"/>
                     </a:solidFill>
@@ -11293,7 +11299,7 @@
               </a:ln>
               <a:extLst>
                 <a:ext uri="{91240B29-F687-4f45-9708-019B960494DF}">
-                  <a14:hiddenLine xmlns:a14="http://schemas.microsoft.com/office/drawing/2010/main" xmlns="" w="9525">
+                  <a14:hiddenLine xmlns="" xmlns:a14="http://schemas.microsoft.com/office/drawing/2010/main" w="9525">
                     <a:solidFill>
                       <a:srgbClr val="000000"/>
                     </a:solidFill>
@@ -11358,7 +11364,7 @@
               </a:ln>
               <a:extLst>
                 <a:ext uri="{91240B29-F687-4f45-9708-019B960494DF}">
-                  <a14:hiddenLine xmlns:a14="http://schemas.microsoft.com/office/drawing/2010/main" xmlns="" w="9525">
+                  <a14:hiddenLine xmlns="" xmlns:a14="http://schemas.microsoft.com/office/drawing/2010/main" w="9525">
                     <a:solidFill>
                       <a:srgbClr val="000000"/>
                     </a:solidFill>
@@ -11448,7 +11454,7 @@
               </a:ln>
               <a:extLst>
                 <a:ext uri="{91240B29-F687-4f45-9708-019B960494DF}">
-                  <a14:hiddenLine xmlns:a14="http://schemas.microsoft.com/office/drawing/2010/main" xmlns="" w="9525">
+                  <a14:hiddenLine xmlns="" xmlns:a14="http://schemas.microsoft.com/office/drawing/2010/main" w="9525">
                     <a:solidFill>
                       <a:srgbClr val="000000"/>
                     </a:solidFill>
@@ -11516,7 +11522,7 @@
               </a:ln>
               <a:extLst>
                 <a:ext uri="{91240B29-F687-4f45-9708-019B960494DF}">
-                  <a14:hiddenLine xmlns:a14="http://schemas.microsoft.com/office/drawing/2010/main" xmlns="" w="9525">
+                  <a14:hiddenLine xmlns="" xmlns:a14="http://schemas.microsoft.com/office/drawing/2010/main" w="9525">
                     <a:solidFill>
                       <a:srgbClr val="000000"/>
                     </a:solidFill>
@@ -11606,7 +11612,7 @@
               </a:ln>
               <a:extLst>
                 <a:ext uri="{91240B29-F687-4f45-9708-019B960494DF}">
-                  <a14:hiddenLine xmlns:a14="http://schemas.microsoft.com/office/drawing/2010/main" xmlns="" w="9525">
+                  <a14:hiddenLine xmlns="" xmlns:a14="http://schemas.microsoft.com/office/drawing/2010/main" w="9525">
                     <a:solidFill>
                       <a:srgbClr val="000000"/>
                     </a:solidFill>
@@ -11674,7 +11680,7 @@
               </a:ln>
               <a:extLst>
                 <a:ext uri="{91240B29-F687-4f45-9708-019B960494DF}">
-                  <a14:hiddenLine xmlns:a14="http://schemas.microsoft.com/office/drawing/2010/main" xmlns="" w="9525">
+                  <a14:hiddenLine xmlns="" xmlns:a14="http://schemas.microsoft.com/office/drawing/2010/main" w="9525">
                     <a:solidFill>
                       <a:srgbClr val="000000"/>
                     </a:solidFill>
@@ -11764,7 +11770,7 @@
               </a:ln>
               <a:extLst>
                 <a:ext uri="{91240B29-F687-4f45-9708-019B960494DF}">
-                  <a14:hiddenLine xmlns:a14="http://schemas.microsoft.com/office/drawing/2010/main" xmlns="" w="9525">
+                  <a14:hiddenLine xmlns="" xmlns:a14="http://schemas.microsoft.com/office/drawing/2010/main" w="9525">
                     <a:solidFill>
                       <a:srgbClr val="000000"/>
                     </a:solidFill>
@@ -11798,7 +11804,7 @@
               </a:ln>
               <a:extLst>
                 <a:ext uri="{91240B29-F687-4f45-9708-019B960494DF}">
-                  <a14:hiddenLine xmlns:a14="http://schemas.microsoft.com/office/drawing/2010/main" xmlns="" w="9525">
+                  <a14:hiddenLine xmlns="" xmlns:a14="http://schemas.microsoft.com/office/drawing/2010/main" w="9525">
                     <a:solidFill>
                       <a:srgbClr val="000000"/>
                     </a:solidFill>
@@ -12464,6 +12470,596 @@
           <a:p>
             <a:r>
               <a:rPr lang="fr-CA" dirty="0"/>
+              <a:t>Condensateur</a:t>
+            </a:r>
+          </a:p>
+        </p:txBody>
+      </p:sp>
+      <p:sp>
+        <p:nvSpPr>
+          <p:cNvPr id="5" name="Espace réservé du texte 4">
+            <a:extLst>
+              <a:ext uri="{FF2B5EF4-FFF2-40B4-BE49-F238E27FC236}">
+                <a16:creationId xmlns:a16="http://schemas.microsoft.com/office/drawing/2014/main" id="{F6D62E81-F4F0-4D70-9398-78F642059BA7}"/>
+              </a:ext>
+            </a:extLst>
+          </p:cNvPr>
+          <p:cNvSpPr>
+            <a:spLocks noGrp="1"/>
+          </p:cNvSpPr>
+          <p:nvPr>
+            <p:ph type="body" sz="half" idx="18"/>
+          </p:nvPr>
+        </p:nvSpPr>
+        <p:spPr/>
+        <p:txBody>
+          <a:bodyPr/>
+          <a:lstStyle/>
+          <a:p>
+            <a:r>
+              <a:rPr lang="fr-CA" dirty="0"/>
+              <a:t>Stock une charge électrique</a:t>
+            </a:r>
+          </a:p>
+          <a:p>
+            <a:r>
+              <a:rPr lang="fr-CA" dirty="0"/>
+              <a:t>Plusieurs types</a:t>
+            </a:r>
+          </a:p>
+        </p:txBody>
+      </p:sp>
+      <p:sp>
+        <p:nvSpPr>
+          <p:cNvPr id="6" name="Espace réservé du texte 5">
+            <a:extLst>
+              <a:ext uri="{FF2B5EF4-FFF2-40B4-BE49-F238E27FC236}">
+                <a16:creationId xmlns:a16="http://schemas.microsoft.com/office/drawing/2014/main" id="{6E33DDB2-B7D3-4EEF-86B7-80EA145701DB}"/>
+              </a:ext>
+            </a:extLst>
+          </p:cNvPr>
+          <p:cNvSpPr>
+            <a:spLocks noGrp="1"/>
+          </p:cNvSpPr>
+          <p:nvPr>
+            <p:ph type="body" sz="quarter" idx="3"/>
+          </p:nvPr>
+        </p:nvSpPr>
+        <p:spPr/>
+        <p:txBody>
+          <a:bodyPr/>
+          <a:lstStyle/>
+          <a:p>
+            <a:r>
+              <a:rPr lang="fr-CA" dirty="0"/>
+              <a:t>Résistance</a:t>
+            </a:r>
+          </a:p>
+        </p:txBody>
+      </p:sp>
+      <p:sp>
+        <p:nvSpPr>
+          <p:cNvPr id="8" name="Espace réservé du texte 7">
+            <a:extLst>
+              <a:ext uri="{FF2B5EF4-FFF2-40B4-BE49-F238E27FC236}">
+                <a16:creationId xmlns:a16="http://schemas.microsoft.com/office/drawing/2014/main" id="{6B009D69-53B0-46A3-8998-E42C6CD52972}"/>
+              </a:ext>
+            </a:extLst>
+          </p:cNvPr>
+          <p:cNvSpPr>
+            <a:spLocks noGrp="1"/>
+          </p:cNvSpPr>
+          <p:nvPr>
+            <p:ph type="body" sz="half" idx="19"/>
+          </p:nvPr>
+        </p:nvSpPr>
+        <p:spPr/>
+        <p:txBody>
+          <a:bodyPr/>
+          <a:lstStyle/>
+          <a:p>
+            <a:r>
+              <a:rPr lang="fr-CA" dirty="0"/>
+              <a:t>Diminue un courant électrique</a:t>
+            </a:r>
+          </a:p>
+        </p:txBody>
+      </p:sp>
+      <p:sp>
+        <p:nvSpPr>
+          <p:cNvPr id="9" name="Espace réservé du texte 8">
+            <a:extLst>
+              <a:ext uri="{FF2B5EF4-FFF2-40B4-BE49-F238E27FC236}">
+                <a16:creationId xmlns:a16="http://schemas.microsoft.com/office/drawing/2014/main" id="{CB2EEA76-BC00-4965-8F97-EB5C6190249E}"/>
+              </a:ext>
+            </a:extLst>
+          </p:cNvPr>
+          <p:cNvSpPr>
+            <a:spLocks noGrp="1"/>
+          </p:cNvSpPr>
+          <p:nvPr>
+            <p:ph type="body" sz="quarter" idx="13"/>
+          </p:nvPr>
+        </p:nvSpPr>
+        <p:spPr/>
+        <p:txBody>
+          <a:bodyPr/>
+          <a:lstStyle/>
+          <a:p>
+            <a:r>
+              <a:rPr lang="fr-CA" dirty="0"/>
+              <a:t>diode</a:t>
+            </a:r>
+          </a:p>
+        </p:txBody>
+      </p:sp>
+      <p:sp>
+        <p:nvSpPr>
+          <p:cNvPr id="11" name="Espace réservé du texte 10">
+            <a:extLst>
+              <a:ext uri="{FF2B5EF4-FFF2-40B4-BE49-F238E27FC236}">
+                <a16:creationId xmlns:a16="http://schemas.microsoft.com/office/drawing/2014/main" id="{EF332AEC-52CC-47E2-B8B5-9CF5CD926460}"/>
+              </a:ext>
+            </a:extLst>
+          </p:cNvPr>
+          <p:cNvSpPr>
+            <a:spLocks noGrp="1"/>
+          </p:cNvSpPr>
+          <p:nvPr>
+            <p:ph type="body" sz="half" idx="20"/>
+          </p:nvPr>
+        </p:nvSpPr>
+        <p:spPr/>
+        <p:txBody>
+          <a:bodyPr>
+            <a:normAutofit fontScale="92500"/>
+          </a:bodyPr>
+          <a:lstStyle/>
+          <a:p>
+            <a:r>
+              <a:rPr lang="fr-CA" dirty="0"/>
+              <a:t>Laisse passer le courant dans un sens unique</a:t>
+            </a:r>
+          </a:p>
+          <a:p>
+            <a:r>
+              <a:rPr lang="fr-CA" dirty="0"/>
+              <a:t>Plusieurs types</a:t>
+            </a:r>
+          </a:p>
+        </p:txBody>
+      </p:sp>
+      <p:sp>
+        <p:nvSpPr>
+          <p:cNvPr id="12" name="Titre 1">
+            <a:extLst>
+              <a:ext uri="{FF2B5EF4-FFF2-40B4-BE49-F238E27FC236}">
+                <a16:creationId xmlns:a16="http://schemas.microsoft.com/office/drawing/2014/main" id="{9727B353-8243-4F64-AC58-C79ADB7C5A90}"/>
+              </a:ext>
+            </a:extLst>
+          </p:cNvPr>
+          <p:cNvSpPr>
+            <a:spLocks noGrp="1"/>
+          </p:cNvSpPr>
+          <p:nvPr>
+            <p:ph type="title"/>
+          </p:nvPr>
+        </p:nvSpPr>
+        <p:spPr>
+          <a:xfrm>
+            <a:off x="1134793" y="593009"/>
+            <a:ext cx="9905999" cy="1374776"/>
+          </a:xfrm>
+        </p:spPr>
+        <p:txBody>
+          <a:bodyPr>
+            <a:normAutofit/>
+          </a:bodyPr>
+          <a:lstStyle/>
+          <a:p>
+            <a:r>
+              <a:rPr lang="fr-CA" sz="3600" dirty="0"/>
+              <a:t>L’électronique fondamentale</a:t>
+            </a:r>
+          </a:p>
+        </p:txBody>
+      </p:sp>
+      <p:sp>
+        <p:nvSpPr>
+          <p:cNvPr id="13" name="Espace réservé du texte 2">
+            <a:extLst>
+              <a:ext uri="{FF2B5EF4-FFF2-40B4-BE49-F238E27FC236}">
+                <a16:creationId xmlns:a16="http://schemas.microsoft.com/office/drawing/2014/main" id="{DCA010D9-3A46-4068-AA07-4A41C7CC2419}"/>
+              </a:ext>
+            </a:extLst>
+          </p:cNvPr>
+          <p:cNvSpPr txBox="1">
+            <a:spLocks/>
+          </p:cNvSpPr>
+          <p:nvPr/>
+        </p:nvSpPr>
+        <p:spPr>
+          <a:xfrm>
+            <a:off x="1141410" y="473074"/>
+            <a:ext cx="9906000" cy="1374776"/>
+          </a:xfrm>
+          <a:prstGeom prst="rect">
+            <a:avLst/>
+          </a:prstGeom>
+        </p:spPr>
+        <p:txBody>
+          <a:bodyPr vert="horz" lIns="91440" tIns="45720" rIns="91440" bIns="45720" rtlCol="0" anchor="b">
+            <a:noAutofit/>
+          </a:bodyPr>
+          <a:lstStyle>
+            <a:lvl1pPr marL="0" indent="0" algn="l" defTabSz="914400" rtl="0" eaLnBrk="1" latinLnBrk="0" hangingPunct="1">
+              <a:lnSpc>
+                <a:spcPct val="90000"/>
+              </a:lnSpc>
+              <a:spcBef>
+                <a:spcPts val="1000"/>
+              </a:spcBef>
+              <a:buSzPct val="125000"/>
+              <a:buFont typeface="Arial" panose="020B0604020202020204" pitchFamily="34" charset="0"/>
+              <a:buNone/>
+              <a:defRPr sz="2000" b="0" kern="1200" cap="all" baseline="0">
+                <a:solidFill>
+                  <a:schemeClr val="tx1"/>
+                </a:solidFill>
+                <a:latin typeface="+mn-lt"/>
+                <a:ea typeface="+mn-ea"/>
+                <a:cs typeface="+mn-cs"/>
+              </a:defRPr>
+            </a:lvl1pPr>
+            <a:lvl2pPr marL="457200" indent="0" algn="l" defTabSz="914400" rtl="0" eaLnBrk="1" latinLnBrk="0" hangingPunct="1">
+              <a:lnSpc>
+                <a:spcPct val="120000"/>
+              </a:lnSpc>
+              <a:spcBef>
+                <a:spcPts val="500"/>
+              </a:spcBef>
+              <a:buSzPct val="125000"/>
+              <a:buFont typeface="Arial" panose="020B0604020202020204" pitchFamily="34" charset="0"/>
+              <a:buNone/>
+              <a:defRPr sz="2000" b="1" kern="1200">
+                <a:solidFill>
+                  <a:schemeClr val="tx1"/>
+                </a:solidFill>
+                <a:latin typeface="+mn-lt"/>
+                <a:ea typeface="+mn-ea"/>
+                <a:cs typeface="+mn-cs"/>
+              </a:defRPr>
+            </a:lvl2pPr>
+            <a:lvl3pPr marL="914400" indent="0" algn="l" defTabSz="914400" rtl="0" eaLnBrk="1" latinLnBrk="0" hangingPunct="1">
+              <a:lnSpc>
+                <a:spcPct val="120000"/>
+              </a:lnSpc>
+              <a:spcBef>
+                <a:spcPts val="500"/>
+              </a:spcBef>
+              <a:buSzPct val="125000"/>
+              <a:buFont typeface="Arial" panose="020B0604020202020204" pitchFamily="34" charset="0"/>
+              <a:buNone/>
+              <a:defRPr sz="1800" b="1" kern="1200">
+                <a:solidFill>
+                  <a:schemeClr val="tx1"/>
+                </a:solidFill>
+                <a:latin typeface="+mn-lt"/>
+                <a:ea typeface="+mn-ea"/>
+                <a:cs typeface="+mn-cs"/>
+              </a:defRPr>
+            </a:lvl3pPr>
+            <a:lvl4pPr marL="1371600" indent="0" algn="l" defTabSz="914400" rtl="0" eaLnBrk="1" latinLnBrk="0" hangingPunct="1">
+              <a:lnSpc>
+                <a:spcPct val="120000"/>
+              </a:lnSpc>
+              <a:spcBef>
+                <a:spcPts val="500"/>
+              </a:spcBef>
+              <a:buSzPct val="125000"/>
+              <a:buFont typeface="Arial" panose="020B0604020202020204" pitchFamily="34" charset="0"/>
+              <a:buNone/>
+              <a:defRPr sz="1600" b="1" kern="1200">
+                <a:solidFill>
+                  <a:schemeClr val="tx1"/>
+                </a:solidFill>
+                <a:latin typeface="+mn-lt"/>
+                <a:ea typeface="+mn-ea"/>
+                <a:cs typeface="+mn-cs"/>
+              </a:defRPr>
+            </a:lvl4pPr>
+            <a:lvl5pPr marL="1828800" indent="0" algn="l" defTabSz="914400" rtl="0" eaLnBrk="1" latinLnBrk="0" hangingPunct="1">
+              <a:lnSpc>
+                <a:spcPct val="120000"/>
+              </a:lnSpc>
+              <a:spcBef>
+                <a:spcPts val="500"/>
+              </a:spcBef>
+              <a:buSzPct val="125000"/>
+              <a:buFont typeface="Arial" panose="020B0604020202020204" pitchFamily="34" charset="0"/>
+              <a:buNone/>
+              <a:defRPr sz="1600" b="1" kern="1200">
+                <a:solidFill>
+                  <a:schemeClr val="tx1"/>
+                </a:solidFill>
+                <a:latin typeface="+mn-lt"/>
+                <a:ea typeface="+mn-ea"/>
+                <a:cs typeface="+mn-cs"/>
+              </a:defRPr>
+            </a:lvl5pPr>
+            <a:lvl6pPr marL="2286000" indent="0" algn="l" defTabSz="914400" rtl="0" eaLnBrk="1" latinLnBrk="0" hangingPunct="1">
+              <a:lnSpc>
+                <a:spcPct val="120000"/>
+              </a:lnSpc>
+              <a:spcBef>
+                <a:spcPts val="500"/>
+              </a:spcBef>
+              <a:buSzPct val="125000"/>
+              <a:buFont typeface="Arial" panose="020B0604020202020204" pitchFamily="34" charset="0"/>
+              <a:buNone/>
+              <a:defRPr sz="1600" b="1" kern="1200">
+                <a:solidFill>
+                  <a:schemeClr val="tx1"/>
+                </a:solidFill>
+                <a:latin typeface="+mn-lt"/>
+                <a:ea typeface="+mn-ea"/>
+                <a:cs typeface="+mn-cs"/>
+              </a:defRPr>
+            </a:lvl6pPr>
+            <a:lvl7pPr marL="2743200" indent="0" algn="l" defTabSz="914400" rtl="0" eaLnBrk="1" latinLnBrk="0" hangingPunct="1">
+              <a:lnSpc>
+                <a:spcPct val="120000"/>
+              </a:lnSpc>
+              <a:spcBef>
+                <a:spcPts val="500"/>
+              </a:spcBef>
+              <a:buSzPct val="125000"/>
+              <a:buFont typeface="Arial" panose="020B0604020202020204" pitchFamily="34" charset="0"/>
+              <a:buNone/>
+              <a:defRPr sz="1600" b="1" kern="1200">
+                <a:solidFill>
+                  <a:schemeClr val="tx1"/>
+                </a:solidFill>
+                <a:latin typeface="+mn-lt"/>
+                <a:ea typeface="+mn-ea"/>
+                <a:cs typeface="+mn-cs"/>
+              </a:defRPr>
+            </a:lvl7pPr>
+            <a:lvl8pPr marL="3200400" indent="0" algn="l" defTabSz="914400" rtl="0" eaLnBrk="1" latinLnBrk="0" hangingPunct="1">
+              <a:lnSpc>
+                <a:spcPct val="120000"/>
+              </a:lnSpc>
+              <a:spcBef>
+                <a:spcPts val="500"/>
+              </a:spcBef>
+              <a:buSzPct val="125000"/>
+              <a:buFont typeface="Arial" panose="020B0604020202020204" pitchFamily="34" charset="0"/>
+              <a:buNone/>
+              <a:defRPr sz="1600" b="1" kern="1200">
+                <a:solidFill>
+                  <a:schemeClr val="tx1"/>
+                </a:solidFill>
+                <a:latin typeface="+mn-lt"/>
+                <a:ea typeface="+mn-ea"/>
+                <a:cs typeface="+mn-cs"/>
+              </a:defRPr>
+            </a:lvl8pPr>
+            <a:lvl9pPr marL="3657600" indent="0" algn="l" defTabSz="914400" rtl="0" eaLnBrk="1" latinLnBrk="0" hangingPunct="1">
+              <a:lnSpc>
+                <a:spcPct val="120000"/>
+              </a:lnSpc>
+              <a:spcBef>
+                <a:spcPts val="500"/>
+              </a:spcBef>
+              <a:buSzPct val="125000"/>
+              <a:buFont typeface="Arial" panose="020B0604020202020204" pitchFamily="34" charset="0"/>
+              <a:buNone/>
+              <a:defRPr sz="1600" b="1" kern="1200">
+                <a:solidFill>
+                  <a:schemeClr val="tx1"/>
+                </a:solidFill>
+                <a:latin typeface="+mn-lt"/>
+                <a:ea typeface="+mn-ea"/>
+                <a:cs typeface="+mn-cs"/>
+              </a:defRPr>
+            </a:lvl9pPr>
+          </a:lstStyle>
+          <a:p>
+            <a:r>
+              <a:rPr lang="fr-CA" dirty="0"/>
+              <a:t>Les composantes de base</a:t>
+            </a:r>
+          </a:p>
+        </p:txBody>
+      </p:sp>
+      <p:pic>
+        <p:nvPicPr>
+          <p:cNvPr id="3074" name="Picture 2" descr="Comment diagnostiquer un condensateur défecteux dans un électroménager ? |  Pieces Online">
+            <a:extLst>
+              <a:ext uri="{FF2B5EF4-FFF2-40B4-BE49-F238E27FC236}">
+                <a16:creationId xmlns:a16="http://schemas.microsoft.com/office/drawing/2014/main" id="{7CE2665F-1F0B-43A9-8FB2-4A94981AF180}"/>
+              </a:ext>
+            </a:extLst>
+          </p:cNvPr>
+          <p:cNvPicPr>
+            <a:picLocks noGrp="1" noChangeAspect="1" noChangeArrowheads="1"/>
+          </p:cNvPicPr>
+          <p:nvPr>
+            <p:ph type="pic" idx="15"/>
+          </p:nvPr>
+        </p:nvPicPr>
+        <p:blipFill>
+          <a:blip r:embed="rId2">
+            <a:extLst>
+              <a:ext uri="{28A0092B-C50C-407E-A947-70E740481C1C}">
+                <a14:useLocalDpi xmlns:a14="http://schemas.microsoft.com/office/drawing/2010/main" val="0"/>
+              </a:ext>
+            </a:extLst>
+          </a:blip>
+          <a:srcRect t="6960" b="6960"/>
+          <a:stretch>
+            <a:fillRect/>
+          </a:stretch>
+        </p:blipFill>
+        <p:spPr bwMode="auto">
+          <a:prstGeom prst="rect">
+            <a:avLst/>
+          </a:prstGeom>
+          <a:noFill/>
+          <a:extLst>
+            <a:ext uri="{909E8E84-426E-40DD-AFC4-6F175D3DCCD1}">
+              <a14:hiddenFill xmlns:a14="http://schemas.microsoft.com/office/drawing/2010/main">
+                <a:solidFill>
+                  <a:srgbClr val="FFFFFF"/>
+                </a:solidFill>
+              </a14:hiddenFill>
+            </a:ext>
+          </a:extLst>
+        </p:spPr>
+      </p:pic>
+      <p:pic>
+        <p:nvPicPr>
+          <p:cNvPr id="3076" name="Picture 4" descr="Résistances 1/4w | meilleur prix au MAROC">
+            <a:extLst>
+              <a:ext uri="{FF2B5EF4-FFF2-40B4-BE49-F238E27FC236}">
+                <a16:creationId xmlns:a16="http://schemas.microsoft.com/office/drawing/2014/main" id="{ACEFBBE6-042B-4867-B029-364693B344F0}"/>
+              </a:ext>
+            </a:extLst>
+          </p:cNvPr>
+          <p:cNvPicPr>
+            <a:picLocks noGrp="1" noChangeAspect="1" noChangeArrowheads="1"/>
+          </p:cNvPicPr>
+          <p:nvPr>
+            <p:ph type="pic" idx="21"/>
+          </p:nvPr>
+        </p:nvPicPr>
+        <p:blipFill>
+          <a:blip r:embed="rId3">
+            <a:extLst>
+              <a:ext uri="{28A0092B-C50C-407E-A947-70E740481C1C}">
+                <a14:useLocalDpi xmlns:a14="http://schemas.microsoft.com/office/drawing/2010/main" val="0"/>
+              </a:ext>
+            </a:extLst>
+          </a:blip>
+          <a:srcRect t="26179" b="26179"/>
+          <a:stretch>
+            <a:fillRect/>
+          </a:stretch>
+        </p:blipFill>
+        <p:spPr bwMode="auto">
+          <a:prstGeom prst="rect">
+            <a:avLst/>
+          </a:prstGeom>
+          <a:noFill/>
+          <a:extLst>
+            <a:ext uri="{909E8E84-426E-40DD-AFC4-6F175D3DCCD1}">
+              <a14:hiddenFill xmlns:a14="http://schemas.microsoft.com/office/drawing/2010/main">
+                <a:solidFill>
+                  <a:srgbClr val="FFFFFF"/>
+                </a:solidFill>
+              </a14:hiddenFill>
+            </a:ext>
+          </a:extLst>
+        </p:spPr>
+      </p:pic>
+      <p:pic>
+        <p:nvPicPr>
+          <p:cNvPr id="3078" name="Picture 6" descr="What is a Diode: Basics, Types, Symbols, Characteristics, Applications &amp;  Packages">
+            <a:extLst>
+              <a:ext uri="{FF2B5EF4-FFF2-40B4-BE49-F238E27FC236}">
+                <a16:creationId xmlns:a16="http://schemas.microsoft.com/office/drawing/2014/main" id="{D2A57771-E128-4DBD-B605-7EC5CFC819CF}"/>
+              </a:ext>
+            </a:extLst>
+          </p:cNvPr>
+          <p:cNvPicPr>
+            <a:picLocks noGrp="1" noChangeAspect="1" noChangeArrowheads="1"/>
+          </p:cNvPicPr>
+          <p:nvPr>
+            <p:ph type="pic" idx="22"/>
+          </p:nvPr>
+        </p:nvPicPr>
+        <p:blipFill>
+          <a:blip r:embed="rId4">
+            <a:extLst>
+              <a:ext uri="{28A0092B-C50C-407E-A947-70E740481C1C}">
+                <a14:useLocalDpi xmlns:a14="http://schemas.microsoft.com/office/drawing/2010/main" val="0"/>
+              </a:ext>
+            </a:extLst>
+          </a:blip>
+          <a:srcRect t="18065" b="18065"/>
+          <a:stretch>
+            <a:fillRect/>
+          </a:stretch>
+        </p:blipFill>
+        <p:spPr bwMode="auto">
+          <a:prstGeom prst="rect">
+            <a:avLst/>
+          </a:prstGeom>
+          <a:noFill/>
+          <a:extLst>
+            <a:ext uri="{909E8E84-426E-40DD-AFC4-6F175D3DCCD1}">
+              <a14:hiddenFill xmlns:a14="http://schemas.microsoft.com/office/drawing/2010/main">
+                <a:solidFill>
+                  <a:srgbClr val="FFFFFF"/>
+                </a:solidFill>
+              </a14:hiddenFill>
+            </a:ext>
+          </a:extLst>
+        </p:spPr>
+      </p:pic>
+    </p:spTree>
+    <p:extLst>
+      <p:ext uri="{BB962C8B-B14F-4D97-AF65-F5344CB8AC3E}">
+        <p14:creationId xmlns:p14="http://schemas.microsoft.com/office/powerpoint/2010/main" val="1044900449"/>
+      </p:ext>
+    </p:extLst>
+  </p:cSld>
+  <p:clrMapOvr>
+    <a:masterClrMapping/>
+  </p:clrMapOvr>
+</p:sld>
+</file>
+
+<file path=ppt/slides/slide11.xml><?xml version="1.0" encoding="utf-8"?>
+<p:sld xmlns:a="http://schemas.openxmlformats.org/drawingml/2006/main" xmlns:r="http://schemas.openxmlformats.org/officeDocument/2006/relationships" xmlns:p="http://schemas.openxmlformats.org/presentationml/2006/main">
+  <p:cSld>
+    <p:spTree>
+      <p:nvGrpSpPr>
+        <p:cNvPr id="1" name=""/>
+        <p:cNvGrpSpPr/>
+        <p:nvPr/>
+      </p:nvGrpSpPr>
+      <p:grpSpPr>
+        <a:xfrm>
+          <a:off x="0" y="0"/>
+          <a:ext cx="0" cy="0"/>
+          <a:chOff x="0" y="0"/>
+          <a:chExt cx="0" cy="0"/>
+        </a:xfrm>
+      </p:grpSpPr>
+      <p:sp>
+        <p:nvSpPr>
+          <p:cNvPr id="3" name="Espace réservé du texte 2">
+            <a:extLst>
+              <a:ext uri="{FF2B5EF4-FFF2-40B4-BE49-F238E27FC236}">
+                <a16:creationId xmlns:a16="http://schemas.microsoft.com/office/drawing/2014/main" id="{6CB89968-EAD5-4A56-B3F2-86B39765CD96}"/>
+              </a:ext>
+            </a:extLst>
+          </p:cNvPr>
+          <p:cNvSpPr>
+            <a:spLocks noGrp="1"/>
+          </p:cNvSpPr>
+          <p:nvPr>
+            <p:ph type="body" idx="1"/>
+          </p:nvPr>
+        </p:nvSpPr>
+        <p:spPr/>
+        <p:txBody>
+          <a:bodyPr/>
+          <a:lstStyle/>
+          <a:p>
+            <a:r>
+              <a:rPr lang="fr-CA" dirty="0"/>
               <a:t>Transistor</a:t>
             </a:r>
           </a:p>
@@ -13044,7 +13640,7 @@
 </p:sld>
 </file>
 
-<file path=ppt/slides/slide11.xml><?xml version="1.0" encoding="utf-8"?>
+<file path=ppt/slides/slide12.xml><?xml version="1.0" encoding="utf-8"?>
 <p:sld xmlns:a="http://schemas.openxmlformats.org/drawingml/2006/main" xmlns:r="http://schemas.openxmlformats.org/officeDocument/2006/relationships" xmlns:p="http://schemas.openxmlformats.org/presentationml/2006/main">
   <p:cSld>
     <p:spTree>
@@ -13636,7 +14232,7 @@
 </p:sld>
 </file>
 
-<file path=ppt/slides/slide12.xml><?xml version="1.0" encoding="utf-8"?>
+<file path=ppt/slides/slide13.xml><?xml version="1.0" encoding="utf-8"?>
 <p:sld xmlns:a="http://schemas.openxmlformats.org/drawingml/2006/main" xmlns:r="http://schemas.openxmlformats.org/officeDocument/2006/relationships" xmlns:p="http://schemas.openxmlformats.org/presentationml/2006/main">
   <p:cSld>
     <p:spTree>
@@ -13695,92 +14291,6 @@
     <p:extLst>
       <p:ext uri="{BB962C8B-B14F-4D97-AF65-F5344CB8AC3E}">
         <p14:creationId xmlns:p14="http://schemas.microsoft.com/office/powerpoint/2010/main" val="3721582875"/>
-      </p:ext>
-    </p:extLst>
-  </p:cSld>
-  <p:clrMapOvr>
-    <a:masterClrMapping/>
-  </p:clrMapOvr>
-</p:sld>
-</file>
-
-<file path=ppt/slides/slide13.xml><?xml version="1.0" encoding="utf-8"?>
-<p:sld xmlns:a="http://schemas.openxmlformats.org/drawingml/2006/main" xmlns:r="http://schemas.openxmlformats.org/officeDocument/2006/relationships" xmlns:p="http://schemas.openxmlformats.org/presentationml/2006/main">
-  <p:cSld>
-    <p:spTree>
-      <p:nvGrpSpPr>
-        <p:cNvPr id="1" name=""/>
-        <p:cNvGrpSpPr/>
-        <p:nvPr/>
-      </p:nvGrpSpPr>
-      <p:grpSpPr>
-        <a:xfrm>
-          <a:off x="0" y="0"/>
-          <a:ext cx="0" cy="0"/>
-          <a:chOff x="0" y="0"/>
-          <a:chExt cx="0" cy="0"/>
-        </a:xfrm>
-      </p:grpSpPr>
-      <p:sp>
-        <p:nvSpPr>
-          <p:cNvPr id="2" name="Titre 1">
-            <a:extLst>
-              <a:ext uri="{FF2B5EF4-FFF2-40B4-BE49-F238E27FC236}">
-                <a16:creationId xmlns:a16="http://schemas.microsoft.com/office/drawing/2014/main" id="{02E9A4B1-F994-4639-9488-B1A697B1D9B8}"/>
-              </a:ext>
-            </a:extLst>
-          </p:cNvPr>
-          <p:cNvSpPr>
-            <a:spLocks noGrp="1"/>
-          </p:cNvSpPr>
-          <p:nvPr>
-            <p:ph type="title"/>
-          </p:nvPr>
-        </p:nvSpPr>
-        <p:spPr/>
-        <p:txBody>
-          <a:bodyPr/>
-          <a:lstStyle/>
-          <a:p>
-            <a:r>
-              <a:rPr lang="fr-CA" dirty="0"/>
-              <a:t>Schéma électronique</a:t>
-            </a:r>
-          </a:p>
-        </p:txBody>
-      </p:sp>
-      <p:pic>
-        <p:nvPicPr>
-          <p:cNvPr id="5" name="Espace réservé du contenu 4">
-            <a:extLst>
-              <a:ext uri="{FF2B5EF4-FFF2-40B4-BE49-F238E27FC236}">
-                <a16:creationId xmlns:a16="http://schemas.microsoft.com/office/drawing/2014/main" id="{CDD351E1-22BC-48B2-8F78-7252B856EB3F}"/>
-              </a:ext>
-            </a:extLst>
-          </p:cNvPr>
-          <p:cNvPicPr>
-            <a:picLocks noGrp="1" noChangeAspect="1"/>
-          </p:cNvPicPr>
-          <p:nvPr>
-            <p:ph idx="1"/>
-          </p:nvPr>
-        </p:nvPicPr>
-        <p:blipFill rotWithShape="1">
-          <a:blip r:embed="rId2"/>
-          <a:srcRect l="22526" t="11548" r="18881" b="11236"/>
-          <a:stretch/>
-        </p:blipFill>
-        <p:spPr>
-          <a:xfrm>
-            <a:off x="3012143" y="1870682"/>
-            <a:ext cx="6167714" cy="4368800"/>
-          </a:xfrm>
-        </p:spPr>
-      </p:pic>
-    </p:spTree>
-    <p:extLst>
-      <p:ext uri="{BB962C8B-B14F-4D97-AF65-F5344CB8AC3E}">
-        <p14:creationId xmlns:p14="http://schemas.microsoft.com/office/powerpoint/2010/main" val="638091166"/>
       </p:ext>
     </p:extLst>
   </p:cSld>
@@ -13812,7 +14322,7 @@
           <p:cNvPr id="2" name="Titre 1">
             <a:extLst>
               <a:ext uri="{FF2B5EF4-FFF2-40B4-BE49-F238E27FC236}">
-                <a16:creationId xmlns:a16="http://schemas.microsoft.com/office/drawing/2014/main" id="{FF3AA76D-5C9E-4FC4-BBC0-01CD5CC434D6}"/>
+                <a16:creationId xmlns:a16="http://schemas.microsoft.com/office/drawing/2014/main" id="{02E9A4B1-F994-4639-9488-B1A697B1D9B8}"/>
               </a:ext>
             </a:extLst>
           </p:cNvPr>
@@ -13830,7 +14340,7 @@
           <a:p>
             <a:r>
               <a:rPr lang="fr-CA" dirty="0"/>
-              <a:t>Circuit électronique</a:t>
+              <a:t>Schéma électronique</a:t>
             </a:r>
           </a:p>
         </p:txBody>
@@ -13840,7 +14350,7 @@
           <p:cNvPr id="5" name="Espace réservé du contenu 4">
             <a:extLst>
               <a:ext uri="{FF2B5EF4-FFF2-40B4-BE49-F238E27FC236}">
-                <a16:creationId xmlns:a16="http://schemas.microsoft.com/office/drawing/2014/main" id="{FA184E04-6CA2-4E98-AEA1-C208DE7A2C19}"/>
+                <a16:creationId xmlns:a16="http://schemas.microsoft.com/office/drawing/2014/main" id="{CDD351E1-22BC-48B2-8F78-7252B856EB3F}"/>
               </a:ext>
             </a:extLst>
           </p:cNvPr>
@@ -13851,23 +14361,22 @@
             <p:ph idx="1"/>
           </p:nvPr>
         </p:nvPicPr>
-        <p:blipFill>
+        <p:blipFill rotWithShape="1">
           <a:blip r:embed="rId2"/>
-          <a:stretch>
-            <a:fillRect/>
-          </a:stretch>
+          <a:srcRect l="22526" t="11548" r="18881" b="11236"/>
+          <a:stretch/>
         </p:blipFill>
         <p:spPr>
           <a:xfrm>
-            <a:off x="3282220" y="1729826"/>
-            <a:ext cx="5627559" cy="4874174"/>
+            <a:off x="3012143" y="1870682"/>
+            <a:ext cx="6167714" cy="4368800"/>
           </a:xfrm>
         </p:spPr>
       </p:pic>
     </p:spTree>
     <p:extLst>
       <p:ext uri="{BB962C8B-B14F-4D97-AF65-F5344CB8AC3E}">
-        <p14:creationId xmlns:p14="http://schemas.microsoft.com/office/powerpoint/2010/main" val="1168943201"/>
+        <p14:creationId xmlns:p14="http://schemas.microsoft.com/office/powerpoint/2010/main" val="638091166"/>
       </p:ext>
     </p:extLst>
   </p:cSld>
@@ -13917,17 +14426,17 @@
           <a:p>
             <a:r>
               <a:rPr lang="fr-CA" dirty="0"/>
-              <a:t>Circuit électronique</a:t>
+              <a:t>Circuit imprimé</a:t>
             </a:r>
           </a:p>
         </p:txBody>
       </p:sp>
       <p:pic>
         <p:nvPicPr>
-          <p:cNvPr id="7" name="Espace réservé du contenu 6">
+          <p:cNvPr id="5" name="Espace réservé du contenu 4">
             <a:extLst>
               <a:ext uri="{FF2B5EF4-FFF2-40B4-BE49-F238E27FC236}">
-                <a16:creationId xmlns:a16="http://schemas.microsoft.com/office/drawing/2014/main" id="{863B0D4B-A7D7-4BE3-B0F7-15EE42F6D267}"/>
+                <a16:creationId xmlns:a16="http://schemas.microsoft.com/office/drawing/2014/main" id="{FA184E04-6CA2-4E98-AEA1-C208DE7A2C19}"/>
               </a:ext>
             </a:extLst>
           </p:cNvPr>
@@ -13938,22 +14447,23 @@
             <p:ph idx="1"/>
           </p:nvPr>
         </p:nvPicPr>
-        <p:blipFill rotWithShape="1">
+        <p:blipFill>
           <a:blip r:embed="rId2"/>
-          <a:srcRect l="20600" t="18243" r="28774" b="4064"/>
-          <a:stretch/>
+          <a:stretch>
+            <a:fillRect/>
+          </a:stretch>
         </p:blipFill>
         <p:spPr>
           <a:xfrm>
-            <a:off x="3451362" y="1970088"/>
-            <a:ext cx="5289275" cy="4362980"/>
+            <a:off x="3282220" y="1729826"/>
+            <a:ext cx="5627559" cy="4874174"/>
           </a:xfrm>
         </p:spPr>
       </p:pic>
     </p:spTree>
     <p:extLst>
       <p:ext uri="{BB962C8B-B14F-4D97-AF65-F5344CB8AC3E}">
-        <p14:creationId xmlns:p14="http://schemas.microsoft.com/office/powerpoint/2010/main" val="636491479"/>
+        <p14:creationId xmlns:p14="http://schemas.microsoft.com/office/powerpoint/2010/main" val="1168943201"/>
       </p:ext>
     </p:extLst>
   </p:cSld>
@@ -13985,6 +14495,92 @@
           <p:cNvPr id="2" name="Titre 1">
             <a:extLst>
               <a:ext uri="{FF2B5EF4-FFF2-40B4-BE49-F238E27FC236}">
+                <a16:creationId xmlns:a16="http://schemas.microsoft.com/office/drawing/2014/main" id="{FF3AA76D-5C9E-4FC4-BBC0-01CD5CC434D6}"/>
+              </a:ext>
+            </a:extLst>
+          </p:cNvPr>
+          <p:cNvSpPr>
+            <a:spLocks noGrp="1"/>
+          </p:cNvSpPr>
+          <p:nvPr>
+            <p:ph type="title"/>
+          </p:nvPr>
+        </p:nvSpPr>
+        <p:spPr/>
+        <p:txBody>
+          <a:bodyPr/>
+          <a:lstStyle/>
+          <a:p>
+            <a:r>
+              <a:rPr lang="fr-CA" dirty="0"/>
+              <a:t>Circuit imprimé</a:t>
+            </a:r>
+          </a:p>
+        </p:txBody>
+      </p:sp>
+      <p:pic>
+        <p:nvPicPr>
+          <p:cNvPr id="7" name="Espace réservé du contenu 6">
+            <a:extLst>
+              <a:ext uri="{FF2B5EF4-FFF2-40B4-BE49-F238E27FC236}">
+                <a16:creationId xmlns:a16="http://schemas.microsoft.com/office/drawing/2014/main" id="{863B0D4B-A7D7-4BE3-B0F7-15EE42F6D267}"/>
+              </a:ext>
+            </a:extLst>
+          </p:cNvPr>
+          <p:cNvPicPr>
+            <a:picLocks noGrp="1" noChangeAspect="1"/>
+          </p:cNvPicPr>
+          <p:nvPr>
+            <p:ph idx="1"/>
+          </p:nvPr>
+        </p:nvPicPr>
+        <p:blipFill rotWithShape="1">
+          <a:blip r:embed="rId2"/>
+          <a:srcRect l="20600" t="18243" r="28774" b="4064"/>
+          <a:stretch/>
+        </p:blipFill>
+        <p:spPr>
+          <a:xfrm>
+            <a:off x="3451362" y="1970088"/>
+            <a:ext cx="5289275" cy="4362980"/>
+          </a:xfrm>
+        </p:spPr>
+      </p:pic>
+    </p:spTree>
+    <p:extLst>
+      <p:ext uri="{BB962C8B-B14F-4D97-AF65-F5344CB8AC3E}">
+        <p14:creationId xmlns:p14="http://schemas.microsoft.com/office/powerpoint/2010/main" val="636491479"/>
+      </p:ext>
+    </p:extLst>
+  </p:cSld>
+  <p:clrMapOvr>
+    <a:masterClrMapping/>
+  </p:clrMapOvr>
+</p:sld>
+</file>
+
+<file path=ppt/slides/slide17.xml><?xml version="1.0" encoding="utf-8"?>
+<p:sld xmlns:a="http://schemas.openxmlformats.org/drawingml/2006/main" xmlns:r="http://schemas.openxmlformats.org/officeDocument/2006/relationships" xmlns:p="http://schemas.openxmlformats.org/presentationml/2006/main">
+  <p:cSld>
+    <p:spTree>
+      <p:nvGrpSpPr>
+        <p:cNvPr id="1" name=""/>
+        <p:cNvGrpSpPr/>
+        <p:nvPr/>
+      </p:nvGrpSpPr>
+      <p:grpSpPr>
+        <a:xfrm>
+          <a:off x="0" y="0"/>
+          <a:ext cx="0" cy="0"/>
+          <a:chOff x="0" y="0"/>
+          <a:chExt cx="0" cy="0"/>
+        </a:xfrm>
+      </p:grpSpPr>
+      <p:sp>
+        <p:nvSpPr>
+          <p:cNvPr id="2" name="Titre 1">
+            <a:extLst>
+              <a:ext uri="{FF2B5EF4-FFF2-40B4-BE49-F238E27FC236}">
                 <a16:creationId xmlns:a16="http://schemas.microsoft.com/office/drawing/2014/main" id="{469E4270-58B8-4802-B8BA-AE1135E2873B}"/>
               </a:ext>
             </a:extLst>
@@ -14144,7 +14740,7 @@
 </p:sld>
 </file>
 
-<file path=ppt/slides/slide17.xml><?xml version="1.0" encoding="utf-8"?>
+<file path=ppt/slides/slide18.xml><?xml version="1.0" encoding="utf-8"?>
 <p:sld xmlns:a="http://schemas.openxmlformats.org/drawingml/2006/main" xmlns:r="http://schemas.openxmlformats.org/officeDocument/2006/relationships" xmlns:p="http://schemas.openxmlformats.org/presentationml/2006/main">
   <p:cSld>
     <p:spTree>
@@ -14379,7 +14975,7 @@
             <a:pPr lvl="1"/>
             <a:r>
               <a:rPr lang="fr-CA" dirty="0"/>
-              <a:t>Circuit électronique</a:t>
+              <a:t>Circuit imprimé</a:t>
             </a:r>
           </a:p>
           <a:p>
@@ -15967,8 +16563,16 @@
         </p:nvSpPr>
         <p:spPr/>
         <p:txBody>
-          <a:bodyPr/>
+          <a:bodyPr>
+            <a:normAutofit fontScale="92500" lnSpcReduction="20000"/>
+          </a:bodyPr>
           <a:lstStyle/>
+          <a:p>
+            <a:r>
+              <a:rPr lang="fr-CA" sz="2600" b="1" dirty="0"/>
+              <a:t>Polarité</a:t>
+            </a:r>
+          </a:p>
           <a:p>
             <a:pPr marL="285750" indent="-285750">
               <a:buFont typeface="Arial" panose="020B0604020202020204" pitchFamily="34" charset="0"/>
@@ -16388,7 +16992,7 @@
           <p:cNvPr id="3" name="Espace réservé du texte 2">
             <a:extLst>
               <a:ext uri="{FF2B5EF4-FFF2-40B4-BE49-F238E27FC236}">
-                <a16:creationId xmlns:a16="http://schemas.microsoft.com/office/drawing/2014/main" id="{6CB89968-EAD5-4A56-B3F2-86B39765CD96}"/>
+                <a16:creationId xmlns:a16="http://schemas.microsoft.com/office/drawing/2014/main" id="{90919E54-988C-41F3-97CF-7282185B524D}"/>
               </a:ext>
             </a:extLst>
           </p:cNvPr>
@@ -16399,14 +17003,58 @@
             <p:ph type="body" idx="1"/>
           </p:nvPr>
         </p:nvSpPr>
-        <p:spPr/>
+        <p:spPr>
+          <a:xfrm>
+            <a:off x="1370017" y="4359541"/>
+            <a:ext cx="4649783" cy="823912"/>
+          </a:xfrm>
+        </p:spPr>
         <p:txBody>
           <a:bodyPr/>
           <a:lstStyle/>
           <a:p>
             <a:r>
               <a:rPr lang="fr-CA" dirty="0"/>
-              <a:t>Condensateur</a:t>
+              <a:t>Courant continu (CC / DC)</a:t>
+            </a:r>
+          </a:p>
+        </p:txBody>
+      </p:sp>
+      <p:sp>
+        <p:nvSpPr>
+          <p:cNvPr id="4" name="Espace réservé du contenu 3">
+            <a:extLst>
+              <a:ext uri="{FF2B5EF4-FFF2-40B4-BE49-F238E27FC236}">
+                <a16:creationId xmlns:a16="http://schemas.microsoft.com/office/drawing/2014/main" id="{24962B5E-B69E-4F6C-B41C-17AAA17A960E}"/>
+              </a:ext>
+            </a:extLst>
+          </p:cNvPr>
+          <p:cNvSpPr>
+            <a:spLocks noGrp="1"/>
+          </p:cNvSpPr>
+          <p:nvPr>
+            <p:ph sz="half" idx="2"/>
+          </p:nvPr>
+        </p:nvSpPr>
+        <p:spPr>
+          <a:xfrm>
+            <a:off x="1141408" y="5183453"/>
+            <a:ext cx="4878391" cy="1151470"/>
+          </a:xfrm>
+        </p:spPr>
+        <p:txBody>
+          <a:bodyPr/>
+          <a:lstStyle/>
+          <a:p>
+            <a:r>
+              <a:rPr lang="fr-CA" dirty="0"/>
+              <a:t>Batteries</a:t>
+            </a:r>
+          </a:p>
+          <a:p>
+            <a:r>
+              <a:rPr lang="fr-CA" dirty="0"/>
+              <a:t>Transformateur CA vers CC</a:t>
             </a:r>
           </a:p>
         </p:txBody>
@@ -16416,7 +17064,7 @@
           <p:cNvPr id="5" name="Espace réservé du texte 4">
             <a:extLst>
               <a:ext uri="{FF2B5EF4-FFF2-40B4-BE49-F238E27FC236}">
-                <a16:creationId xmlns:a16="http://schemas.microsoft.com/office/drawing/2014/main" id="{F6D62E81-F4F0-4D70-9398-78F642059BA7}"/>
+                <a16:creationId xmlns:a16="http://schemas.microsoft.com/office/drawing/2014/main" id="{CDE2BE6B-C4E2-4ABC-8D09-E9F6041F9D41}"/>
               </a:ext>
             </a:extLst>
           </p:cNvPr>
@@ -16424,33 +17072,32 @@
             <a:spLocks noGrp="1"/>
           </p:cNvSpPr>
           <p:nvPr>
-            <p:ph type="body" sz="half" idx="18"/>
+            <p:ph type="body" sz="quarter" idx="3"/>
           </p:nvPr>
         </p:nvSpPr>
-        <p:spPr/>
+        <p:spPr>
+          <a:xfrm>
+            <a:off x="6400806" y="4359540"/>
+            <a:ext cx="4646602" cy="823912"/>
+          </a:xfrm>
+        </p:spPr>
         <p:txBody>
           <a:bodyPr/>
           <a:lstStyle/>
           <a:p>
             <a:r>
               <a:rPr lang="fr-CA" dirty="0"/>
-              <a:t>Stock une charge électrique</a:t>
-            </a:r>
-          </a:p>
-          <a:p>
-            <a:r>
-              <a:rPr lang="fr-CA" dirty="0"/>
-              <a:t>Plusieurs types</a:t>
+              <a:t>Courant alternatif (CA / AC)</a:t>
             </a:r>
           </a:p>
         </p:txBody>
       </p:sp>
       <p:sp>
         <p:nvSpPr>
-          <p:cNvPr id="6" name="Espace réservé du texte 5">
+          <p:cNvPr id="6" name="Espace réservé du contenu 5">
             <a:extLst>
               <a:ext uri="{FF2B5EF4-FFF2-40B4-BE49-F238E27FC236}">
-                <a16:creationId xmlns:a16="http://schemas.microsoft.com/office/drawing/2014/main" id="{6E33DDB2-B7D3-4EEF-86B7-80EA145701DB}"/>
+                <a16:creationId xmlns:a16="http://schemas.microsoft.com/office/drawing/2014/main" id="{72C80ABA-E4CE-4629-9AAD-DC6926227703}"/>
               </a:ext>
             </a:extLst>
           </p:cNvPr>
@@ -16458,27 +17105,38 @@
             <a:spLocks noGrp="1"/>
           </p:cNvSpPr>
           <p:nvPr>
-            <p:ph type="body" sz="quarter" idx="3"/>
+            <p:ph sz="quarter" idx="4"/>
           </p:nvPr>
         </p:nvSpPr>
-        <p:spPr/>
+        <p:spPr>
+          <a:xfrm>
+            <a:off x="6172198" y="5183453"/>
+            <a:ext cx="4875210" cy="1151470"/>
+          </a:xfrm>
+        </p:spPr>
         <p:txBody>
           <a:bodyPr/>
           <a:lstStyle/>
           <a:p>
             <a:r>
               <a:rPr lang="fr-CA" dirty="0"/>
-              <a:t>Résistance</a:t>
+              <a:t>Prises électriques</a:t>
+            </a:r>
+          </a:p>
+          <a:p>
+            <a:r>
+              <a:rPr lang="fr-CA" dirty="0"/>
+              <a:t>Alternateur</a:t>
             </a:r>
           </a:p>
         </p:txBody>
       </p:sp>
       <p:sp>
         <p:nvSpPr>
-          <p:cNvPr id="8" name="Espace réservé du texte 7">
+          <p:cNvPr id="7" name="Titre 1">
             <a:extLst>
               <a:ext uri="{FF2B5EF4-FFF2-40B4-BE49-F238E27FC236}">
-                <a16:creationId xmlns:a16="http://schemas.microsoft.com/office/drawing/2014/main" id="{6B009D69-53B0-46A3-8998-E42C6CD52972}"/>
+                <a16:creationId xmlns:a16="http://schemas.microsoft.com/office/drawing/2014/main" id="{5D7A4DA3-7150-462D-81DB-50180021DFAD}"/>
               </a:ext>
             </a:extLst>
           </p:cNvPr>
@@ -16486,104 +17144,12 @@
             <a:spLocks noGrp="1"/>
           </p:cNvSpPr>
           <p:nvPr>
-            <p:ph type="body" sz="half" idx="19"/>
-          </p:nvPr>
-        </p:nvSpPr>
-        <p:spPr/>
-        <p:txBody>
-          <a:bodyPr/>
-          <a:lstStyle/>
-          <a:p>
-            <a:r>
-              <a:rPr lang="fr-CA" dirty="0"/>
-              <a:t>Diminue un courant électrique</a:t>
-            </a:r>
-          </a:p>
-        </p:txBody>
-      </p:sp>
-      <p:sp>
-        <p:nvSpPr>
-          <p:cNvPr id="9" name="Espace réservé du texte 8">
-            <a:extLst>
-              <a:ext uri="{FF2B5EF4-FFF2-40B4-BE49-F238E27FC236}">
-                <a16:creationId xmlns:a16="http://schemas.microsoft.com/office/drawing/2014/main" id="{CB2EEA76-BC00-4965-8F97-EB5C6190249E}"/>
-              </a:ext>
-            </a:extLst>
-          </p:cNvPr>
-          <p:cNvSpPr>
-            <a:spLocks noGrp="1"/>
-          </p:cNvSpPr>
-          <p:nvPr>
-            <p:ph type="body" sz="quarter" idx="13"/>
-          </p:nvPr>
-        </p:nvSpPr>
-        <p:spPr/>
-        <p:txBody>
-          <a:bodyPr/>
-          <a:lstStyle/>
-          <a:p>
-            <a:r>
-              <a:rPr lang="fr-CA" dirty="0"/>
-              <a:t>diode</a:t>
-            </a:r>
-          </a:p>
-        </p:txBody>
-      </p:sp>
-      <p:sp>
-        <p:nvSpPr>
-          <p:cNvPr id="11" name="Espace réservé du texte 10">
-            <a:extLst>
-              <a:ext uri="{FF2B5EF4-FFF2-40B4-BE49-F238E27FC236}">
-                <a16:creationId xmlns:a16="http://schemas.microsoft.com/office/drawing/2014/main" id="{EF332AEC-52CC-47E2-B8B5-9CF5CD926460}"/>
-              </a:ext>
-            </a:extLst>
-          </p:cNvPr>
-          <p:cNvSpPr>
-            <a:spLocks noGrp="1"/>
-          </p:cNvSpPr>
-          <p:nvPr>
-            <p:ph type="body" sz="half" idx="20"/>
-          </p:nvPr>
-        </p:nvSpPr>
-        <p:spPr/>
-        <p:txBody>
-          <a:bodyPr>
-            <a:normAutofit fontScale="92500"/>
-          </a:bodyPr>
-          <a:lstStyle/>
-          <a:p>
-            <a:r>
-              <a:rPr lang="fr-CA" dirty="0"/>
-              <a:t>Laisse passer le courant dans un sens unique</a:t>
-            </a:r>
-          </a:p>
-          <a:p>
-            <a:r>
-              <a:rPr lang="fr-CA" dirty="0"/>
-              <a:t>Plusieurs types</a:t>
-            </a:r>
-          </a:p>
-        </p:txBody>
-      </p:sp>
-      <p:sp>
-        <p:nvSpPr>
-          <p:cNvPr id="12" name="Titre 1">
-            <a:extLst>
-              <a:ext uri="{FF2B5EF4-FFF2-40B4-BE49-F238E27FC236}">
-                <a16:creationId xmlns:a16="http://schemas.microsoft.com/office/drawing/2014/main" id="{9727B353-8243-4F64-AC58-C79ADB7C5A90}"/>
-              </a:ext>
-            </a:extLst>
-          </p:cNvPr>
-          <p:cNvSpPr>
-            <a:spLocks noGrp="1"/>
-          </p:cNvSpPr>
-          <p:nvPr>
             <p:ph type="title"/>
           </p:nvPr>
         </p:nvSpPr>
         <p:spPr>
           <a:xfrm>
-            <a:off x="1134793" y="593009"/>
+            <a:off x="1141409" y="523077"/>
             <a:ext cx="9905999" cy="1374776"/>
           </a:xfrm>
         </p:spPr>
@@ -16602,10 +17168,10 @@
       </p:sp>
       <p:sp>
         <p:nvSpPr>
-          <p:cNvPr id="13" name="Espace réservé du texte 2">
+          <p:cNvPr id="8" name="Espace réservé du texte 2">
             <a:extLst>
               <a:ext uri="{FF2B5EF4-FFF2-40B4-BE49-F238E27FC236}">
-                <a16:creationId xmlns:a16="http://schemas.microsoft.com/office/drawing/2014/main" id="{DCA010D9-3A46-4068-AA07-4A41C7CC2419}"/>
+                <a16:creationId xmlns:a16="http://schemas.microsoft.com/office/drawing/2014/main" id="{82982A85-331F-4806-B3F7-03EABE83C621}"/>
               </a:ext>
             </a:extLst>
           </p:cNvPr>
@@ -16616,7 +17182,7 @@
         </p:nvSpPr>
         <p:spPr>
           <a:xfrm>
-            <a:off x="1141410" y="473074"/>
+            <a:off x="1141409" y="379412"/>
             <a:ext cx="9906000" cy="1374776"/>
           </a:xfrm>
           <a:prstGeom prst="rect">
@@ -16803,26 +17369,24 @@
           <a:p>
             <a:r>
               <a:rPr lang="fr-CA" dirty="0"/>
-              <a:t>Les composantes de base</a:t>
+              <a:t>Les bases électrique</a:t>
             </a:r>
           </a:p>
         </p:txBody>
       </p:sp>
       <p:pic>
         <p:nvPicPr>
-          <p:cNvPr id="3074" name="Picture 2" descr="Comment diagnostiquer un condensateur défecteux dans un électroménager ? |  Pieces Online">
+          <p:cNvPr id="1026" name="Picture 2" descr="Petite histoire de l'électricité">
             <a:extLst>
               <a:ext uri="{FF2B5EF4-FFF2-40B4-BE49-F238E27FC236}">
-                <a16:creationId xmlns:a16="http://schemas.microsoft.com/office/drawing/2014/main" id="{7CE2665F-1F0B-43A9-8FB2-4A94981AF180}"/>
+                <a16:creationId xmlns:a16="http://schemas.microsoft.com/office/drawing/2014/main" id="{72DAB756-8211-44CA-958B-5A65A2C1CB1E}"/>
               </a:ext>
             </a:extLst>
           </p:cNvPr>
           <p:cNvPicPr>
-            <a:picLocks noGrp="1" noChangeAspect="1" noChangeArrowheads="1"/>
+            <a:picLocks noChangeAspect="1" noChangeArrowheads="1"/>
           </p:cNvPicPr>
-          <p:nvPr>
-            <p:ph type="pic" idx="15"/>
-          </p:nvPr>
+          <p:nvPr/>
         </p:nvPicPr>
         <p:blipFill>
           <a:blip r:embed="rId2">
@@ -16832,102 +17396,16 @@
               </a:ext>
             </a:extLst>
           </a:blip>
-          <a:srcRect t="6960" b="6960"/>
+          <a:srcRect/>
           <a:stretch>
             <a:fillRect/>
           </a:stretch>
         </p:blipFill>
         <p:spPr bwMode="auto">
-          <a:prstGeom prst="rect">
-            <a:avLst/>
-          </a:prstGeom>
-          <a:noFill/>
-          <a:extLst>
-            <a:ext uri="{909E8E84-426E-40DD-AFC4-6F175D3DCCD1}">
-              <a14:hiddenFill xmlns:a14="http://schemas.microsoft.com/office/drawing/2010/main">
-                <a:solidFill>
-                  <a:srgbClr val="FFFFFF"/>
-                </a:solidFill>
-              </a14:hiddenFill>
-            </a:ext>
-          </a:extLst>
-        </p:spPr>
-      </p:pic>
-      <p:pic>
-        <p:nvPicPr>
-          <p:cNvPr id="3076" name="Picture 4" descr="Résistances 1/4w | meilleur prix au MAROC">
-            <a:extLst>
-              <a:ext uri="{FF2B5EF4-FFF2-40B4-BE49-F238E27FC236}">
-                <a16:creationId xmlns:a16="http://schemas.microsoft.com/office/drawing/2014/main" id="{ACEFBBE6-042B-4867-B029-364693B344F0}"/>
-              </a:ext>
-            </a:extLst>
-          </p:cNvPr>
-          <p:cNvPicPr>
-            <a:picLocks noGrp="1" noChangeAspect="1" noChangeArrowheads="1"/>
-          </p:cNvPicPr>
-          <p:nvPr>
-            <p:ph type="pic" idx="21"/>
-          </p:nvPr>
-        </p:nvPicPr>
-        <p:blipFill>
-          <a:blip r:embed="rId3">
-            <a:extLst>
-              <a:ext uri="{28A0092B-C50C-407E-A947-70E740481C1C}">
-                <a14:useLocalDpi xmlns:a14="http://schemas.microsoft.com/office/drawing/2010/main" val="0"/>
-              </a:ext>
-            </a:extLst>
-          </a:blip>
-          <a:srcRect t="26179" b="26179"/>
-          <a:stretch>
-            <a:fillRect/>
-          </a:stretch>
-        </p:blipFill>
-        <p:spPr bwMode="auto">
-          <a:prstGeom prst="rect">
-            <a:avLst/>
-          </a:prstGeom>
-          <a:noFill/>
-          <a:extLst>
-            <a:ext uri="{909E8E84-426E-40DD-AFC4-6F175D3DCCD1}">
-              <a14:hiddenFill xmlns:a14="http://schemas.microsoft.com/office/drawing/2010/main">
-                <a:solidFill>
-                  <a:srgbClr val="FFFFFF"/>
-                </a:solidFill>
-              </a14:hiddenFill>
-            </a:ext>
-          </a:extLst>
-        </p:spPr>
-      </p:pic>
-      <p:pic>
-        <p:nvPicPr>
-          <p:cNvPr id="3078" name="Picture 6" descr="What is a Diode: Basics, Types, Symbols, Characteristics, Applications &amp;  Packages">
-            <a:extLst>
-              <a:ext uri="{FF2B5EF4-FFF2-40B4-BE49-F238E27FC236}">
-                <a16:creationId xmlns:a16="http://schemas.microsoft.com/office/drawing/2014/main" id="{D2A57771-E128-4DBD-B605-7EC5CFC819CF}"/>
-              </a:ext>
-            </a:extLst>
-          </p:cNvPr>
-          <p:cNvPicPr>
-            <a:picLocks noGrp="1" noChangeAspect="1" noChangeArrowheads="1"/>
-          </p:cNvPicPr>
-          <p:nvPr>
-            <p:ph type="pic" idx="22"/>
-          </p:nvPr>
-        </p:nvPicPr>
-        <p:blipFill>
-          <a:blip r:embed="rId4">
-            <a:extLst>
-              <a:ext uri="{28A0092B-C50C-407E-A947-70E740481C1C}">
-                <a14:useLocalDpi xmlns:a14="http://schemas.microsoft.com/office/drawing/2010/main" val="0"/>
-              </a:ext>
-            </a:extLst>
-          </a:blip>
-          <a:srcRect t="18065" b="18065"/>
-          <a:stretch>
-            <a:fillRect/>
-          </a:stretch>
-        </p:blipFill>
-        <p:spPr bwMode="auto">
+          <a:xfrm>
+            <a:off x="3694908" y="1951369"/>
+            <a:ext cx="3883555" cy="2513402"/>
+          </a:xfrm>
           <a:prstGeom prst="rect">
             <a:avLst/>
           </a:prstGeom>
@@ -16946,7 +17424,7 @@
     </p:spTree>
     <p:extLst>
       <p:ext uri="{BB962C8B-B14F-4D97-AF65-F5344CB8AC3E}">
-        <p14:creationId xmlns:p14="http://schemas.microsoft.com/office/powerpoint/2010/main" val="1044900449"/>
+        <p14:creationId xmlns:p14="http://schemas.microsoft.com/office/powerpoint/2010/main" val="140647654"/>
       </p:ext>
     </p:extLst>
   </p:cSld>
